--- a/бсбд/КП/КР ЧигаревА.Ю. БИб-21Э1 БСБД.pptx
+++ b/бсбд/КП/КР ЧигаревА.Ю. БИб-21Э1 БСБД.pptx
@@ -4,6 +4,9 @@
   <p:sldMasterIdLst>
     <p:sldMasterId id="2147483648" r:id="rId1"/>
   </p:sldMasterIdLst>
+  <p:notesMasterIdLst>
+    <p:notesMasterId r:id="rId16"/>
+  </p:notesMasterIdLst>
   <p:sldIdLst>
     <p:sldId id="256" r:id="rId2"/>
     <p:sldId id="257" r:id="rId3"/>
@@ -117,7 +120,1367 @@
       </a:defRPr>
     </a:lvl9pPr>
   </p:defaultTextStyle>
+  <p:extLst>
+    <p:ext uri="{EFAFB233-063F-42B5-8137-9DF3F51BA10A}">
+      <p15:sldGuideLst xmlns:p15="http://schemas.microsoft.com/office/powerpoint/2012/main"/>
+    </p:ext>
+  </p:extLst>
 </p:presentation>
+</file>
+
+<file path=ppt/notesMasters/notesMaster1.xml><?xml version="1.0" encoding="utf-8"?>
+<p:notesMaster xmlns:a="http://schemas.openxmlformats.org/drawingml/2006/main" xmlns:r="http://schemas.openxmlformats.org/officeDocument/2006/relationships" xmlns:p="http://schemas.openxmlformats.org/presentationml/2006/main">
+  <p:cSld>
+    <p:bg>
+      <p:bgRef idx="1001">
+        <a:schemeClr val="bg1"/>
+      </p:bgRef>
+    </p:bg>
+    <p:spTree>
+      <p:nvGrpSpPr>
+        <p:cNvPr id="1" name=""/>
+        <p:cNvGrpSpPr/>
+        <p:nvPr/>
+      </p:nvGrpSpPr>
+      <p:grpSpPr>
+        <a:xfrm>
+          <a:off x="0" y="0"/>
+          <a:ext cx="0" cy="0"/>
+          <a:chOff x="0" y="0"/>
+          <a:chExt cx="0" cy="0"/>
+        </a:xfrm>
+      </p:grpSpPr>
+      <p:sp>
+        <p:nvSpPr>
+          <p:cNvPr id="2" name="Верхний колонтитул 1"/>
+          <p:cNvSpPr>
+            <a:spLocks noGrp="1"/>
+          </p:cNvSpPr>
+          <p:nvPr>
+            <p:ph type="hdr" sz="quarter"/>
+          </p:nvPr>
+        </p:nvSpPr>
+        <p:spPr>
+          <a:xfrm>
+            <a:off x="0" y="0"/>
+            <a:ext cx="2971800" cy="458788"/>
+          </a:xfrm>
+          <a:prstGeom prst="rect">
+            <a:avLst/>
+          </a:prstGeom>
+        </p:spPr>
+        <p:txBody>
+          <a:bodyPr vert="horz" lIns="91440" tIns="45720" rIns="91440" bIns="45720" rtlCol="0"/>
+          <a:lstStyle>
+            <a:lvl1pPr algn="l">
+              <a:defRPr sz="1200"/>
+            </a:lvl1pPr>
+          </a:lstStyle>
+          <a:p>
+            <a:endParaRPr lang="ru-RU"/>
+          </a:p>
+        </p:txBody>
+      </p:sp>
+      <p:sp>
+        <p:nvSpPr>
+          <p:cNvPr id="3" name="Дата 2"/>
+          <p:cNvSpPr>
+            <a:spLocks noGrp="1"/>
+          </p:cNvSpPr>
+          <p:nvPr>
+            <p:ph type="dt" idx="1"/>
+          </p:nvPr>
+        </p:nvSpPr>
+        <p:spPr>
+          <a:xfrm>
+            <a:off x="3884613" y="0"/>
+            <a:ext cx="2971800" cy="458788"/>
+          </a:xfrm>
+          <a:prstGeom prst="rect">
+            <a:avLst/>
+          </a:prstGeom>
+        </p:spPr>
+        <p:txBody>
+          <a:bodyPr vert="horz" lIns="91440" tIns="45720" rIns="91440" bIns="45720" rtlCol="0"/>
+          <a:lstStyle>
+            <a:lvl1pPr algn="r">
+              <a:defRPr sz="1200"/>
+            </a:lvl1pPr>
+          </a:lstStyle>
+          <a:p>
+            <a:fld id="{1FF63749-AFD5-4C1B-B9E1-4D05EC4626E6}" type="datetimeFigureOut">
+              <a:rPr lang="ru-RU" smtClean="0"/>
+              <a:t>19.06.2024</a:t>
+            </a:fld>
+            <a:endParaRPr lang="ru-RU"/>
+          </a:p>
+        </p:txBody>
+      </p:sp>
+      <p:sp>
+        <p:nvSpPr>
+          <p:cNvPr id="4" name="Образ слайда 3"/>
+          <p:cNvSpPr>
+            <a:spLocks noGrp="1" noRot="1" noChangeAspect="1"/>
+          </p:cNvSpPr>
+          <p:nvPr>
+            <p:ph type="sldImg" idx="2"/>
+          </p:nvPr>
+        </p:nvSpPr>
+        <p:spPr>
+          <a:xfrm>
+            <a:off x="685800" y="1143000"/>
+            <a:ext cx="5486400" cy="3086100"/>
+          </a:xfrm>
+          <a:prstGeom prst="rect">
+            <a:avLst/>
+          </a:prstGeom>
+          <a:noFill/>
+          <a:ln w="12700">
+            <a:solidFill>
+              <a:prstClr val="black"/>
+            </a:solidFill>
+          </a:ln>
+        </p:spPr>
+        <p:txBody>
+          <a:bodyPr vert="horz" lIns="91440" tIns="45720" rIns="91440" bIns="45720" rtlCol="0" anchor="ctr"/>
+          <a:lstStyle/>
+          <a:p>
+            <a:endParaRPr lang="ru-RU"/>
+          </a:p>
+        </p:txBody>
+      </p:sp>
+      <p:sp>
+        <p:nvSpPr>
+          <p:cNvPr id="5" name="Заметки 4"/>
+          <p:cNvSpPr>
+            <a:spLocks noGrp="1"/>
+          </p:cNvSpPr>
+          <p:nvPr>
+            <p:ph type="body" sz="quarter" idx="3"/>
+          </p:nvPr>
+        </p:nvSpPr>
+        <p:spPr>
+          <a:xfrm>
+            <a:off x="685800" y="4400550"/>
+            <a:ext cx="5486400" cy="3600450"/>
+          </a:xfrm>
+          <a:prstGeom prst="rect">
+            <a:avLst/>
+          </a:prstGeom>
+        </p:spPr>
+        <p:txBody>
+          <a:bodyPr vert="horz" lIns="91440" tIns="45720" rIns="91440" bIns="45720" rtlCol="0"/>
+          <a:lstStyle/>
+          <a:p>
+            <a:pPr lvl="0"/>
+            <a:r>
+              <a:rPr lang="ru-RU" smtClean="0"/>
+              <a:t>Образец текста</a:t>
+            </a:r>
+          </a:p>
+          <a:p>
+            <a:pPr lvl="1"/>
+            <a:r>
+              <a:rPr lang="ru-RU" smtClean="0"/>
+              <a:t>Второй уровень</a:t>
+            </a:r>
+          </a:p>
+          <a:p>
+            <a:pPr lvl="2"/>
+            <a:r>
+              <a:rPr lang="ru-RU" smtClean="0"/>
+              <a:t>Третий уровень</a:t>
+            </a:r>
+          </a:p>
+          <a:p>
+            <a:pPr lvl="3"/>
+            <a:r>
+              <a:rPr lang="ru-RU" smtClean="0"/>
+              <a:t>Четвертый уровень</a:t>
+            </a:r>
+          </a:p>
+          <a:p>
+            <a:pPr lvl="4"/>
+            <a:r>
+              <a:rPr lang="ru-RU" smtClean="0"/>
+              <a:t>Пятый уровень</a:t>
+            </a:r>
+            <a:endParaRPr lang="ru-RU"/>
+          </a:p>
+        </p:txBody>
+      </p:sp>
+      <p:sp>
+        <p:nvSpPr>
+          <p:cNvPr id="6" name="Нижний колонтитул 5"/>
+          <p:cNvSpPr>
+            <a:spLocks noGrp="1"/>
+          </p:cNvSpPr>
+          <p:nvPr>
+            <p:ph type="ftr" sz="quarter" idx="4"/>
+          </p:nvPr>
+        </p:nvSpPr>
+        <p:spPr>
+          <a:xfrm>
+            <a:off x="0" y="8685213"/>
+            <a:ext cx="2971800" cy="458787"/>
+          </a:xfrm>
+          <a:prstGeom prst="rect">
+            <a:avLst/>
+          </a:prstGeom>
+        </p:spPr>
+        <p:txBody>
+          <a:bodyPr vert="horz" lIns="91440" tIns="45720" rIns="91440" bIns="45720" rtlCol="0" anchor="b"/>
+          <a:lstStyle>
+            <a:lvl1pPr algn="l">
+              <a:defRPr sz="1200"/>
+            </a:lvl1pPr>
+          </a:lstStyle>
+          <a:p>
+            <a:endParaRPr lang="ru-RU"/>
+          </a:p>
+        </p:txBody>
+      </p:sp>
+      <p:sp>
+        <p:nvSpPr>
+          <p:cNvPr id="7" name="Номер слайда 6"/>
+          <p:cNvSpPr>
+            <a:spLocks noGrp="1"/>
+          </p:cNvSpPr>
+          <p:nvPr>
+            <p:ph type="sldNum" sz="quarter" idx="5"/>
+          </p:nvPr>
+        </p:nvSpPr>
+        <p:spPr>
+          <a:xfrm>
+            <a:off x="3884613" y="8685213"/>
+            <a:ext cx="2971800" cy="458787"/>
+          </a:xfrm>
+          <a:prstGeom prst="rect">
+            <a:avLst/>
+          </a:prstGeom>
+        </p:spPr>
+        <p:txBody>
+          <a:bodyPr vert="horz" lIns="91440" tIns="45720" rIns="91440" bIns="45720" rtlCol="0" anchor="b"/>
+          <a:lstStyle>
+            <a:lvl1pPr algn="r">
+              <a:defRPr sz="1200"/>
+            </a:lvl1pPr>
+          </a:lstStyle>
+          <a:p>
+            <a:fld id="{62BC8434-0CB6-4A6B-AD49-7FEE4387CC7C}" type="slidenum">
+              <a:rPr lang="ru-RU" smtClean="0"/>
+              <a:t>‹#›</a:t>
+            </a:fld>
+            <a:endParaRPr lang="ru-RU"/>
+          </a:p>
+        </p:txBody>
+      </p:sp>
+    </p:spTree>
+    <p:extLst>
+      <p:ext uri="{BB962C8B-B14F-4D97-AF65-F5344CB8AC3E}">
+        <p14:creationId xmlns:p14="http://schemas.microsoft.com/office/powerpoint/2010/main" val="3323269096"/>
+      </p:ext>
+    </p:extLst>
+  </p:cSld>
+  <p:clrMap bg1="lt1" tx1="dk1" bg2="lt2" tx2="dk2" accent1="accent1" accent2="accent2" accent3="accent3" accent4="accent4" accent5="accent5" accent6="accent6" hlink="hlink" folHlink="folHlink"/>
+  <p:notesStyle>
+    <a:lvl1pPr marL="0" algn="l" defTabSz="914400" rtl="0" eaLnBrk="1" latinLnBrk="0" hangingPunct="1">
+      <a:defRPr sz="1200" kern="1200">
+        <a:solidFill>
+          <a:schemeClr val="tx1"/>
+        </a:solidFill>
+        <a:latin typeface="+mn-lt"/>
+        <a:ea typeface="+mn-ea"/>
+        <a:cs typeface="+mn-cs"/>
+      </a:defRPr>
+    </a:lvl1pPr>
+    <a:lvl2pPr marL="457200" algn="l" defTabSz="914400" rtl="0" eaLnBrk="1" latinLnBrk="0" hangingPunct="1">
+      <a:defRPr sz="1200" kern="1200">
+        <a:solidFill>
+          <a:schemeClr val="tx1"/>
+        </a:solidFill>
+        <a:latin typeface="+mn-lt"/>
+        <a:ea typeface="+mn-ea"/>
+        <a:cs typeface="+mn-cs"/>
+      </a:defRPr>
+    </a:lvl2pPr>
+    <a:lvl3pPr marL="914400" algn="l" defTabSz="914400" rtl="0" eaLnBrk="1" latinLnBrk="0" hangingPunct="1">
+      <a:defRPr sz="1200" kern="1200">
+        <a:solidFill>
+          <a:schemeClr val="tx1"/>
+        </a:solidFill>
+        <a:latin typeface="+mn-lt"/>
+        <a:ea typeface="+mn-ea"/>
+        <a:cs typeface="+mn-cs"/>
+      </a:defRPr>
+    </a:lvl3pPr>
+    <a:lvl4pPr marL="1371600" algn="l" defTabSz="914400" rtl="0" eaLnBrk="1" latinLnBrk="0" hangingPunct="1">
+      <a:defRPr sz="1200" kern="1200">
+        <a:solidFill>
+          <a:schemeClr val="tx1"/>
+        </a:solidFill>
+        <a:latin typeface="+mn-lt"/>
+        <a:ea typeface="+mn-ea"/>
+        <a:cs typeface="+mn-cs"/>
+      </a:defRPr>
+    </a:lvl4pPr>
+    <a:lvl5pPr marL="1828800" algn="l" defTabSz="914400" rtl="0" eaLnBrk="1" latinLnBrk="0" hangingPunct="1">
+      <a:defRPr sz="1200" kern="1200">
+        <a:solidFill>
+          <a:schemeClr val="tx1"/>
+        </a:solidFill>
+        <a:latin typeface="+mn-lt"/>
+        <a:ea typeface="+mn-ea"/>
+        <a:cs typeface="+mn-cs"/>
+      </a:defRPr>
+    </a:lvl5pPr>
+    <a:lvl6pPr marL="2286000" algn="l" defTabSz="914400" rtl="0" eaLnBrk="1" latinLnBrk="0" hangingPunct="1">
+      <a:defRPr sz="1200" kern="1200">
+        <a:solidFill>
+          <a:schemeClr val="tx1"/>
+        </a:solidFill>
+        <a:latin typeface="+mn-lt"/>
+        <a:ea typeface="+mn-ea"/>
+        <a:cs typeface="+mn-cs"/>
+      </a:defRPr>
+    </a:lvl6pPr>
+    <a:lvl7pPr marL="2743200" algn="l" defTabSz="914400" rtl="0" eaLnBrk="1" latinLnBrk="0" hangingPunct="1">
+      <a:defRPr sz="1200" kern="1200">
+        <a:solidFill>
+          <a:schemeClr val="tx1"/>
+        </a:solidFill>
+        <a:latin typeface="+mn-lt"/>
+        <a:ea typeface="+mn-ea"/>
+        <a:cs typeface="+mn-cs"/>
+      </a:defRPr>
+    </a:lvl7pPr>
+    <a:lvl8pPr marL="3200400" algn="l" defTabSz="914400" rtl="0" eaLnBrk="1" latinLnBrk="0" hangingPunct="1">
+      <a:defRPr sz="1200" kern="1200">
+        <a:solidFill>
+          <a:schemeClr val="tx1"/>
+        </a:solidFill>
+        <a:latin typeface="+mn-lt"/>
+        <a:ea typeface="+mn-ea"/>
+        <a:cs typeface="+mn-cs"/>
+      </a:defRPr>
+    </a:lvl8pPr>
+    <a:lvl9pPr marL="3657600" algn="l" defTabSz="914400" rtl="0" eaLnBrk="1" latinLnBrk="0" hangingPunct="1">
+      <a:defRPr sz="1200" kern="1200">
+        <a:solidFill>
+          <a:schemeClr val="tx1"/>
+        </a:solidFill>
+        <a:latin typeface="+mn-lt"/>
+        <a:ea typeface="+mn-ea"/>
+        <a:cs typeface="+mn-cs"/>
+      </a:defRPr>
+    </a:lvl9pPr>
+  </p:notesStyle>
+</p:notesMaster>
+</file>
+
+<file path=ppt/notesSlides/notesSlide1.xml><?xml version="1.0" encoding="utf-8"?>
+<p:notes xmlns:a="http://schemas.openxmlformats.org/drawingml/2006/main" xmlns:r="http://schemas.openxmlformats.org/officeDocument/2006/relationships" xmlns:p="http://schemas.openxmlformats.org/presentationml/2006/main">
+  <p:cSld>
+    <p:spTree>
+      <p:nvGrpSpPr>
+        <p:cNvPr id="1" name=""/>
+        <p:cNvGrpSpPr/>
+        <p:nvPr/>
+      </p:nvGrpSpPr>
+      <p:grpSpPr>
+        <a:xfrm>
+          <a:off x="0" y="0"/>
+          <a:ext cx="0" cy="0"/>
+          <a:chOff x="0" y="0"/>
+          <a:chExt cx="0" cy="0"/>
+        </a:xfrm>
+      </p:grpSpPr>
+      <p:sp>
+        <p:nvSpPr>
+          <p:cNvPr id="2" name="Образ слайда 1"/>
+          <p:cNvSpPr>
+            <a:spLocks noGrp="1" noRot="1" noChangeAspect="1"/>
+          </p:cNvSpPr>
+          <p:nvPr>
+            <p:ph type="sldImg"/>
+          </p:nvPr>
+        </p:nvSpPr>
+        <p:spPr/>
+      </p:sp>
+      <p:sp>
+        <p:nvSpPr>
+          <p:cNvPr id="3" name="Заметки 2"/>
+          <p:cNvSpPr>
+            <a:spLocks noGrp="1"/>
+          </p:cNvSpPr>
+          <p:nvPr>
+            <p:ph type="body" idx="1"/>
+          </p:nvPr>
+        </p:nvSpPr>
+        <p:spPr/>
+        <p:txBody>
+          <a:bodyPr/>
+          <a:lstStyle/>
+          <a:p>
+            <a:endParaRPr lang="ru-RU" dirty="0"/>
+          </a:p>
+        </p:txBody>
+      </p:sp>
+      <p:sp>
+        <p:nvSpPr>
+          <p:cNvPr id="4" name="Номер слайда 3"/>
+          <p:cNvSpPr>
+            <a:spLocks noGrp="1"/>
+          </p:cNvSpPr>
+          <p:nvPr>
+            <p:ph type="sldNum" sz="quarter" idx="10"/>
+          </p:nvPr>
+        </p:nvSpPr>
+        <p:spPr/>
+        <p:txBody>
+          <a:bodyPr/>
+          <a:lstStyle/>
+          <a:p>
+            <a:fld id="{62BC8434-0CB6-4A6B-AD49-7FEE4387CC7C}" type="slidenum">
+              <a:rPr lang="ru-RU" smtClean="0"/>
+              <a:t>1</a:t>
+            </a:fld>
+            <a:endParaRPr lang="ru-RU"/>
+          </a:p>
+        </p:txBody>
+      </p:sp>
+    </p:spTree>
+    <p:extLst>
+      <p:ext uri="{BB962C8B-B14F-4D97-AF65-F5344CB8AC3E}">
+        <p14:creationId xmlns:p14="http://schemas.microsoft.com/office/powerpoint/2010/main" val="1489477921"/>
+      </p:ext>
+    </p:extLst>
+  </p:cSld>
+  <p:clrMapOvr>
+    <a:masterClrMapping/>
+  </p:clrMapOvr>
+</p:notes>
+</file>
+
+<file path=ppt/notesSlides/notesSlide2.xml><?xml version="1.0" encoding="utf-8"?>
+<p:notes xmlns:a="http://schemas.openxmlformats.org/drawingml/2006/main" xmlns:r="http://schemas.openxmlformats.org/officeDocument/2006/relationships" xmlns:p="http://schemas.openxmlformats.org/presentationml/2006/main">
+  <p:cSld>
+    <p:spTree>
+      <p:nvGrpSpPr>
+        <p:cNvPr id="1" name=""/>
+        <p:cNvGrpSpPr/>
+        <p:nvPr/>
+      </p:nvGrpSpPr>
+      <p:grpSpPr>
+        <a:xfrm>
+          <a:off x="0" y="0"/>
+          <a:ext cx="0" cy="0"/>
+          <a:chOff x="0" y="0"/>
+          <a:chExt cx="0" cy="0"/>
+        </a:xfrm>
+      </p:grpSpPr>
+      <p:sp>
+        <p:nvSpPr>
+          <p:cNvPr id="2" name="Образ слайда 1"/>
+          <p:cNvSpPr>
+            <a:spLocks noGrp="1" noRot="1" noChangeAspect="1"/>
+          </p:cNvSpPr>
+          <p:nvPr>
+            <p:ph type="sldImg"/>
+          </p:nvPr>
+        </p:nvSpPr>
+        <p:spPr/>
+      </p:sp>
+      <p:sp>
+        <p:nvSpPr>
+          <p:cNvPr id="3" name="Заметки 2"/>
+          <p:cNvSpPr>
+            <a:spLocks noGrp="1"/>
+          </p:cNvSpPr>
+          <p:nvPr>
+            <p:ph type="body" idx="1"/>
+          </p:nvPr>
+        </p:nvSpPr>
+        <p:spPr/>
+        <p:txBody>
+          <a:bodyPr/>
+          <a:lstStyle/>
+          <a:p>
+            <a:r>
+              <a:rPr lang="ru-RU" sz="1200" kern="1200" dirty="0" err="1" smtClean="0">
+                <a:solidFill>
+                  <a:schemeClr val="tx1"/>
+                </a:solidFill>
+                <a:effectLst/>
+                <a:latin typeface="+mn-lt"/>
+                <a:ea typeface="+mn-ea"/>
+                <a:cs typeface="+mn-cs"/>
+              </a:rPr>
+              <a:t>Цифровизация</a:t>
+            </a:r>
+            <a:r>
+              <a:rPr lang="ru-RU" sz="1200" kern="1200" dirty="0" smtClean="0">
+                <a:solidFill>
+                  <a:schemeClr val="tx1"/>
+                </a:solidFill>
+                <a:effectLst/>
+                <a:latin typeface="+mn-lt"/>
+                <a:ea typeface="+mn-ea"/>
+                <a:cs typeface="+mn-cs"/>
+              </a:rPr>
+              <a:t> финансового сектора становится все более значимой, требуя высоких стандартов безопасности для защиты конфиденциальной информации.</a:t>
+            </a:r>
+          </a:p>
+          <a:p>
+            <a:r>
+              <a:rPr lang="ru-RU" sz="1200" kern="1200" dirty="0" smtClean="0">
+                <a:solidFill>
+                  <a:schemeClr val="tx1"/>
+                </a:solidFill>
+                <a:effectLst/>
+                <a:latin typeface="+mn-lt"/>
+                <a:ea typeface="+mn-ea"/>
+                <a:cs typeface="+mn-cs"/>
+              </a:rPr>
+              <a:t>Постоянный рост объема обрабатываемой информации и увеличивающиеся угрозы со стороны злоумышленников требуют применения современных технологий для защиты данных.</a:t>
+            </a:r>
+          </a:p>
+          <a:p>
+            <a:r>
+              <a:rPr lang="ru-RU" sz="1200" kern="1200" dirty="0" smtClean="0">
+                <a:solidFill>
+                  <a:schemeClr val="tx1"/>
+                </a:solidFill>
+                <a:effectLst/>
+                <a:latin typeface="+mn-lt"/>
+                <a:ea typeface="+mn-ea"/>
+                <a:cs typeface="+mn-cs"/>
+              </a:rPr>
+              <a:t>В условиях стремительного развития цифровых технологий финансовые организации должны оперативно реагировать на возникающие угрозы и внедрять надежные методы защиты данных.</a:t>
+            </a:r>
+            <a:endParaRPr lang="ru-RU" dirty="0"/>
+          </a:p>
+        </p:txBody>
+      </p:sp>
+      <p:sp>
+        <p:nvSpPr>
+          <p:cNvPr id="4" name="Номер слайда 3"/>
+          <p:cNvSpPr>
+            <a:spLocks noGrp="1"/>
+          </p:cNvSpPr>
+          <p:nvPr>
+            <p:ph type="sldNum" sz="quarter" idx="10"/>
+          </p:nvPr>
+        </p:nvSpPr>
+        <p:spPr/>
+        <p:txBody>
+          <a:bodyPr/>
+          <a:lstStyle/>
+          <a:p>
+            <a:fld id="{62BC8434-0CB6-4A6B-AD49-7FEE4387CC7C}" type="slidenum">
+              <a:rPr lang="ru-RU" smtClean="0"/>
+              <a:t>2</a:t>
+            </a:fld>
+            <a:endParaRPr lang="ru-RU"/>
+          </a:p>
+        </p:txBody>
+      </p:sp>
+    </p:spTree>
+    <p:extLst>
+      <p:ext uri="{BB962C8B-B14F-4D97-AF65-F5344CB8AC3E}">
+        <p14:creationId xmlns:p14="http://schemas.microsoft.com/office/powerpoint/2010/main" val="1445349904"/>
+      </p:ext>
+    </p:extLst>
+  </p:cSld>
+  <p:clrMapOvr>
+    <a:masterClrMapping/>
+  </p:clrMapOvr>
+</p:notes>
+</file>
+
+<file path=ppt/notesSlides/notesSlide3.xml><?xml version="1.0" encoding="utf-8"?>
+<p:notes xmlns:a="http://schemas.openxmlformats.org/drawingml/2006/main" xmlns:r="http://schemas.openxmlformats.org/officeDocument/2006/relationships" xmlns:p="http://schemas.openxmlformats.org/presentationml/2006/main">
+  <p:cSld>
+    <p:spTree>
+      <p:nvGrpSpPr>
+        <p:cNvPr id="1" name=""/>
+        <p:cNvGrpSpPr/>
+        <p:nvPr/>
+      </p:nvGrpSpPr>
+      <p:grpSpPr>
+        <a:xfrm>
+          <a:off x="0" y="0"/>
+          <a:ext cx="0" cy="0"/>
+          <a:chOff x="0" y="0"/>
+          <a:chExt cx="0" cy="0"/>
+        </a:xfrm>
+      </p:grpSpPr>
+      <p:sp>
+        <p:nvSpPr>
+          <p:cNvPr id="2" name="Образ слайда 1"/>
+          <p:cNvSpPr>
+            <a:spLocks noGrp="1" noRot="1" noChangeAspect="1"/>
+          </p:cNvSpPr>
+          <p:nvPr>
+            <p:ph type="sldImg"/>
+          </p:nvPr>
+        </p:nvSpPr>
+        <p:spPr/>
+      </p:sp>
+      <p:sp>
+        <p:nvSpPr>
+          <p:cNvPr id="3" name="Заметки 2"/>
+          <p:cNvSpPr>
+            <a:spLocks noGrp="1"/>
+          </p:cNvSpPr>
+          <p:nvPr>
+            <p:ph type="body" idx="1"/>
+          </p:nvPr>
+        </p:nvSpPr>
+        <p:spPr/>
+        <p:txBody>
+          <a:bodyPr/>
+          <a:lstStyle/>
+          <a:p>
+            <a:pPr marL="0" marR="0" indent="0" algn="l" defTabSz="914400" rtl="0" eaLnBrk="1" fontAlgn="auto" latinLnBrk="0" hangingPunct="1">
+              <a:lnSpc>
+                <a:spcPct val="100000"/>
+              </a:lnSpc>
+              <a:spcBef>
+                <a:spcPts val="0"/>
+              </a:spcBef>
+              <a:spcAft>
+                <a:spcPts val="0"/>
+              </a:spcAft>
+              <a:buClrTx/>
+              <a:buSzTx/>
+              <a:buFontTx/>
+              <a:buNone/>
+              <a:tabLst/>
+              <a:defRPr/>
+            </a:pPr>
+            <a:r>
+              <a:rPr lang="ru-RU" sz="1200" kern="1200" dirty="0" smtClean="0">
+                <a:solidFill>
+                  <a:schemeClr val="tx1"/>
+                </a:solidFill>
+                <a:effectLst/>
+                <a:latin typeface="+mn-lt"/>
+                <a:ea typeface="+mn-ea"/>
+                <a:cs typeface="+mn-cs"/>
+              </a:rPr>
+              <a:t>Потребительский кредит – это вид кредита, предоставляемый банками или другими финансовыми организациями физическим лицам для удовлетворения их личных потребностей, таких как покупка товаров, оплата услуг, ремонт жилья и т.д.</a:t>
+            </a:r>
+          </a:p>
+          <a:p>
+            <a:pPr marL="0" marR="0" indent="0" algn="l" defTabSz="914400" rtl="0" eaLnBrk="1" fontAlgn="auto" latinLnBrk="0" hangingPunct="1">
+              <a:lnSpc>
+                <a:spcPct val="100000"/>
+              </a:lnSpc>
+              <a:spcBef>
+                <a:spcPts val="0"/>
+              </a:spcBef>
+              <a:spcAft>
+                <a:spcPts val="0"/>
+              </a:spcAft>
+              <a:buClrTx/>
+              <a:buSzTx/>
+              <a:buFontTx/>
+              <a:buNone/>
+              <a:tabLst/>
+              <a:defRPr/>
+            </a:pPr>
+            <a:r>
+              <a:rPr lang="ru-RU" sz="1200" kern="1200" dirty="0" smtClean="0">
+                <a:solidFill>
+                  <a:schemeClr val="tx1"/>
+                </a:solidFill>
+                <a:effectLst/>
+                <a:latin typeface="+mn-lt"/>
+                <a:ea typeface="+mn-ea"/>
+                <a:cs typeface="+mn-cs"/>
+              </a:rPr>
+              <a:t>Информационная система потребительского кредитования (далее ИСПК) является ключевым инструментом для управления процессами кредитования, анализа рисков, мониторинга погашений и просрочек, а также для обеспечения эффективной работы кредитных организаций.</a:t>
+            </a:r>
+          </a:p>
+          <a:p>
+            <a:endParaRPr lang="ru-RU" dirty="0"/>
+          </a:p>
+        </p:txBody>
+      </p:sp>
+      <p:sp>
+        <p:nvSpPr>
+          <p:cNvPr id="4" name="Номер слайда 3"/>
+          <p:cNvSpPr>
+            <a:spLocks noGrp="1"/>
+          </p:cNvSpPr>
+          <p:nvPr>
+            <p:ph type="sldNum" sz="quarter" idx="10"/>
+          </p:nvPr>
+        </p:nvSpPr>
+        <p:spPr/>
+        <p:txBody>
+          <a:bodyPr/>
+          <a:lstStyle/>
+          <a:p>
+            <a:fld id="{62BC8434-0CB6-4A6B-AD49-7FEE4387CC7C}" type="slidenum">
+              <a:rPr lang="ru-RU" smtClean="0"/>
+              <a:t>3</a:t>
+            </a:fld>
+            <a:endParaRPr lang="ru-RU"/>
+          </a:p>
+        </p:txBody>
+      </p:sp>
+    </p:spTree>
+    <p:extLst>
+      <p:ext uri="{BB962C8B-B14F-4D97-AF65-F5344CB8AC3E}">
+        <p14:creationId xmlns:p14="http://schemas.microsoft.com/office/powerpoint/2010/main" val="695874957"/>
+      </p:ext>
+    </p:extLst>
+  </p:cSld>
+  <p:clrMapOvr>
+    <a:masterClrMapping/>
+  </p:clrMapOvr>
+</p:notes>
+</file>
+
+<file path=ppt/notesSlides/notesSlide4.xml><?xml version="1.0" encoding="utf-8"?>
+<p:notes xmlns:a="http://schemas.openxmlformats.org/drawingml/2006/main" xmlns:r="http://schemas.openxmlformats.org/officeDocument/2006/relationships" xmlns:p="http://schemas.openxmlformats.org/presentationml/2006/main">
+  <p:cSld>
+    <p:spTree>
+      <p:nvGrpSpPr>
+        <p:cNvPr id="1" name=""/>
+        <p:cNvGrpSpPr/>
+        <p:nvPr/>
+      </p:nvGrpSpPr>
+      <p:grpSpPr>
+        <a:xfrm>
+          <a:off x="0" y="0"/>
+          <a:ext cx="0" cy="0"/>
+          <a:chOff x="0" y="0"/>
+          <a:chExt cx="0" cy="0"/>
+        </a:xfrm>
+      </p:grpSpPr>
+      <p:sp>
+        <p:nvSpPr>
+          <p:cNvPr id="2" name="Образ слайда 1"/>
+          <p:cNvSpPr>
+            <a:spLocks noGrp="1" noRot="1" noChangeAspect="1"/>
+          </p:cNvSpPr>
+          <p:nvPr>
+            <p:ph type="sldImg"/>
+          </p:nvPr>
+        </p:nvSpPr>
+        <p:spPr/>
+      </p:sp>
+      <p:sp>
+        <p:nvSpPr>
+          <p:cNvPr id="3" name="Заметки 2"/>
+          <p:cNvSpPr>
+            <a:spLocks noGrp="1"/>
+          </p:cNvSpPr>
+          <p:nvPr>
+            <p:ph type="body" idx="1"/>
+          </p:nvPr>
+        </p:nvSpPr>
+        <p:spPr/>
+        <p:txBody>
+          <a:bodyPr/>
+          <a:lstStyle/>
+          <a:p>
+            <a:r>
+              <a:rPr lang="ru-RU" sz="1200" b="1" i="0" kern="1200" dirty="0" err="1" smtClean="0">
+                <a:solidFill>
+                  <a:schemeClr val="tx1"/>
+                </a:solidFill>
+                <a:effectLst/>
+                <a:latin typeface="+mn-lt"/>
+                <a:ea typeface="+mn-ea"/>
+                <a:cs typeface="+mn-cs"/>
+              </a:rPr>
+              <a:t>Валидация</a:t>
+            </a:r>
+            <a:r>
+              <a:rPr lang="ru-RU" sz="1200" b="0" i="0" kern="1200" dirty="0" smtClean="0">
+                <a:solidFill>
+                  <a:schemeClr val="tx1"/>
+                </a:solidFill>
+                <a:effectLst/>
+                <a:latin typeface="+mn-lt"/>
+                <a:ea typeface="+mn-ea"/>
+                <a:cs typeface="+mn-cs"/>
+              </a:rPr>
+              <a:t> формы — </a:t>
+            </a:r>
+            <a:r>
+              <a:rPr lang="ru-RU" sz="1200" b="1" i="0" kern="1200" dirty="0" smtClean="0">
+                <a:solidFill>
+                  <a:schemeClr val="tx1"/>
+                </a:solidFill>
+                <a:effectLst/>
+                <a:latin typeface="+mn-lt"/>
+                <a:ea typeface="+mn-ea"/>
+                <a:cs typeface="+mn-cs"/>
+              </a:rPr>
+              <a:t>это</a:t>
+            </a:r>
+            <a:r>
+              <a:rPr lang="ru-RU" sz="1200" b="0" i="0" kern="1200" dirty="0" smtClean="0">
+                <a:solidFill>
+                  <a:schemeClr val="tx1"/>
+                </a:solidFill>
+                <a:effectLst/>
+                <a:latin typeface="+mn-lt"/>
+                <a:ea typeface="+mn-ea"/>
+                <a:cs typeface="+mn-cs"/>
+              </a:rPr>
+              <a:t> проверка данных, которые ввёл пользователь. Если на вашем сайте есть форма без </a:t>
+            </a:r>
+            <a:r>
+              <a:rPr lang="ru-RU" sz="1200" b="1" i="0" kern="1200" dirty="0" err="1" smtClean="0">
+                <a:solidFill>
+                  <a:schemeClr val="tx1"/>
+                </a:solidFill>
+                <a:effectLst/>
+                <a:latin typeface="+mn-lt"/>
+                <a:ea typeface="+mn-ea"/>
+                <a:cs typeface="+mn-cs"/>
+              </a:rPr>
+              <a:t>валидации</a:t>
+            </a:r>
+            <a:r>
+              <a:rPr lang="ru-RU" sz="1200" b="0" i="0" kern="1200" dirty="0" smtClean="0">
+                <a:solidFill>
+                  <a:schemeClr val="tx1"/>
+                </a:solidFill>
+                <a:effectLst/>
+                <a:latin typeface="+mn-lt"/>
+                <a:ea typeface="+mn-ea"/>
+                <a:cs typeface="+mn-cs"/>
+              </a:rPr>
+              <a:t>, пользователи будут заполнять её как захотят. Кто-то пропустит важное поле, кто-то неправильно введёт телефон или номер банковской карты. В результате обрабатывать такие данные станет сложнее, да и небезопасно. </a:t>
+            </a:r>
+            <a:r>
+              <a:rPr lang="ru-RU" sz="1200" b="1" i="0" kern="1200" dirty="0" err="1" smtClean="0">
+                <a:solidFill>
+                  <a:schemeClr val="tx1"/>
+                </a:solidFill>
+                <a:effectLst/>
+                <a:latin typeface="+mn-lt"/>
+                <a:ea typeface="+mn-ea"/>
+                <a:cs typeface="+mn-cs"/>
+              </a:rPr>
+              <a:t>Валидация</a:t>
+            </a:r>
+            <a:r>
+              <a:rPr lang="ru-RU" sz="1200" b="0" i="0" kern="1200" dirty="0" smtClean="0">
+                <a:solidFill>
+                  <a:schemeClr val="tx1"/>
+                </a:solidFill>
+                <a:effectLst/>
+                <a:latin typeface="+mn-lt"/>
+                <a:ea typeface="+mn-ea"/>
+                <a:cs typeface="+mn-cs"/>
+              </a:rPr>
+              <a:t> на стороне клиента. </a:t>
+            </a:r>
+            <a:r>
+              <a:rPr lang="ru-RU" sz="1200" b="1" i="0" kern="1200" dirty="0" err="1" smtClean="0">
+                <a:solidFill>
+                  <a:schemeClr val="tx1"/>
+                </a:solidFill>
+                <a:effectLst/>
+                <a:latin typeface="+mn-lt"/>
+                <a:ea typeface="+mn-ea"/>
+                <a:cs typeface="+mn-cs"/>
+              </a:rPr>
+              <a:t>Валидация</a:t>
+            </a:r>
+            <a:r>
+              <a:rPr lang="ru-RU" sz="1200" b="0" i="0" kern="1200" dirty="0" smtClean="0">
+                <a:solidFill>
+                  <a:schemeClr val="tx1"/>
+                </a:solidFill>
+                <a:effectLst/>
+                <a:latin typeface="+mn-lt"/>
+                <a:ea typeface="+mn-ea"/>
+                <a:cs typeface="+mn-cs"/>
+              </a:rPr>
+              <a:t> на стороне клиента — </a:t>
+            </a:r>
+            <a:r>
+              <a:rPr lang="ru-RU" sz="1200" b="1" i="0" kern="1200" dirty="0" smtClean="0">
+                <a:solidFill>
+                  <a:schemeClr val="tx1"/>
+                </a:solidFill>
+                <a:effectLst/>
+                <a:latin typeface="+mn-lt"/>
+                <a:ea typeface="+mn-ea"/>
+                <a:cs typeface="+mn-cs"/>
+              </a:rPr>
+              <a:t>это</a:t>
+            </a:r>
+            <a:r>
+              <a:rPr lang="ru-RU" sz="1200" b="0" i="0" kern="1200" dirty="0" smtClean="0">
+                <a:solidFill>
+                  <a:schemeClr val="tx1"/>
+                </a:solidFill>
+                <a:effectLst/>
+                <a:latin typeface="+mn-lt"/>
+                <a:ea typeface="+mn-ea"/>
+                <a:cs typeface="+mn-cs"/>
+              </a:rPr>
+              <a:t> проверка данных до отправки формы.</a:t>
+            </a:r>
+            <a:endParaRPr lang="ru-RU" dirty="0"/>
+          </a:p>
+        </p:txBody>
+      </p:sp>
+      <p:sp>
+        <p:nvSpPr>
+          <p:cNvPr id="4" name="Номер слайда 3"/>
+          <p:cNvSpPr>
+            <a:spLocks noGrp="1"/>
+          </p:cNvSpPr>
+          <p:nvPr>
+            <p:ph type="sldNum" sz="quarter" idx="10"/>
+          </p:nvPr>
+        </p:nvSpPr>
+        <p:spPr/>
+        <p:txBody>
+          <a:bodyPr/>
+          <a:lstStyle/>
+          <a:p>
+            <a:fld id="{62BC8434-0CB6-4A6B-AD49-7FEE4387CC7C}" type="slidenum">
+              <a:rPr lang="ru-RU" smtClean="0"/>
+              <a:t>4</a:t>
+            </a:fld>
+            <a:endParaRPr lang="ru-RU"/>
+          </a:p>
+        </p:txBody>
+      </p:sp>
+    </p:spTree>
+    <p:extLst>
+      <p:ext uri="{BB962C8B-B14F-4D97-AF65-F5344CB8AC3E}">
+        <p14:creationId xmlns:p14="http://schemas.microsoft.com/office/powerpoint/2010/main" val="3388580522"/>
+      </p:ext>
+    </p:extLst>
+  </p:cSld>
+  <p:clrMapOvr>
+    <a:masterClrMapping/>
+  </p:clrMapOvr>
+</p:notes>
+</file>
+
+<file path=ppt/notesSlides/notesSlide5.xml><?xml version="1.0" encoding="utf-8"?>
+<p:notes xmlns:a="http://schemas.openxmlformats.org/drawingml/2006/main" xmlns:r="http://schemas.openxmlformats.org/officeDocument/2006/relationships" xmlns:p="http://schemas.openxmlformats.org/presentationml/2006/main">
+  <p:cSld>
+    <p:spTree>
+      <p:nvGrpSpPr>
+        <p:cNvPr id="1" name=""/>
+        <p:cNvGrpSpPr/>
+        <p:nvPr/>
+      </p:nvGrpSpPr>
+      <p:grpSpPr>
+        <a:xfrm>
+          <a:off x="0" y="0"/>
+          <a:ext cx="0" cy="0"/>
+          <a:chOff x="0" y="0"/>
+          <a:chExt cx="0" cy="0"/>
+        </a:xfrm>
+      </p:grpSpPr>
+      <p:sp>
+        <p:nvSpPr>
+          <p:cNvPr id="2" name="Образ слайда 1"/>
+          <p:cNvSpPr>
+            <a:spLocks noGrp="1" noRot="1" noChangeAspect="1"/>
+          </p:cNvSpPr>
+          <p:nvPr>
+            <p:ph type="sldImg"/>
+          </p:nvPr>
+        </p:nvSpPr>
+        <p:spPr/>
+      </p:sp>
+      <p:sp>
+        <p:nvSpPr>
+          <p:cNvPr id="3" name="Заметки 2"/>
+          <p:cNvSpPr>
+            <a:spLocks noGrp="1"/>
+          </p:cNvSpPr>
+          <p:nvPr>
+            <p:ph type="body" idx="1"/>
+          </p:nvPr>
+        </p:nvSpPr>
+        <p:spPr/>
+        <p:txBody>
+          <a:bodyPr/>
+          <a:lstStyle/>
+          <a:p>
+            <a:r>
+              <a:rPr lang="ru-RU" sz="1200" kern="1200" dirty="0" smtClean="0">
+                <a:solidFill>
+                  <a:schemeClr val="tx1"/>
+                </a:solidFill>
+                <a:effectLst/>
+                <a:latin typeface="+mn-lt"/>
+                <a:ea typeface="+mn-ea"/>
+                <a:cs typeface="+mn-cs"/>
+              </a:rPr>
+              <a:t>Так же были сформулированы</a:t>
+            </a:r>
+            <a:r>
+              <a:rPr lang="ru-RU" sz="1200" kern="1200" baseline="0" dirty="0" smtClean="0">
+                <a:solidFill>
+                  <a:schemeClr val="tx1"/>
+                </a:solidFill>
+                <a:effectLst/>
+                <a:latin typeface="+mn-lt"/>
+                <a:ea typeface="+mn-ea"/>
+                <a:cs typeface="+mn-cs"/>
+              </a:rPr>
+              <a:t> Информационные запросы</a:t>
+            </a:r>
+            <a:r>
+              <a:rPr lang="ru-RU" sz="1200" kern="1200" dirty="0" smtClean="0">
+                <a:solidFill>
+                  <a:schemeClr val="tx1"/>
+                </a:solidFill>
+                <a:effectLst/>
+                <a:latin typeface="+mn-lt"/>
+                <a:ea typeface="+mn-ea"/>
+                <a:cs typeface="+mn-cs"/>
+              </a:rPr>
+              <a:t/>
+            </a:r>
+            <a:br>
+              <a:rPr lang="ru-RU" sz="1200" kern="1200" dirty="0" smtClean="0">
+                <a:solidFill>
+                  <a:schemeClr val="tx1"/>
+                </a:solidFill>
+                <a:effectLst/>
+                <a:latin typeface="+mn-lt"/>
+                <a:ea typeface="+mn-ea"/>
+                <a:cs typeface="+mn-cs"/>
+              </a:rPr>
+            </a:br>
+            <a:r>
+              <a:rPr lang="ru-RU" sz="1200" kern="1200" dirty="0" smtClean="0">
+                <a:solidFill>
+                  <a:schemeClr val="tx1"/>
+                </a:solidFill>
+                <a:effectLst/>
+                <a:latin typeface="+mn-lt"/>
+                <a:ea typeface="+mn-ea"/>
+                <a:cs typeface="+mn-cs"/>
+              </a:rPr>
+              <a:t>Получить список всех зарегистрированных в системе клиентов, имеющих задолженность по кредиту</a:t>
+            </a:r>
+          </a:p>
+          <a:p>
+            <a:r>
+              <a:rPr lang="ru-RU" sz="1200" kern="1200" dirty="0" smtClean="0">
+                <a:solidFill>
+                  <a:schemeClr val="tx1"/>
+                </a:solidFill>
+                <a:effectLst/>
+                <a:latin typeface="+mn-lt"/>
+                <a:ea typeface="+mn-ea"/>
+                <a:cs typeface="+mn-cs"/>
+              </a:rPr>
+              <a:t>Проверить статус заявки на кредит для определённого клиента</a:t>
+            </a:r>
+          </a:p>
+          <a:p>
+            <a:r>
+              <a:rPr lang="ru-RU" sz="1200" kern="1200" dirty="0" smtClean="0">
+                <a:solidFill>
+                  <a:schemeClr val="tx1"/>
+                </a:solidFill>
+                <a:effectLst/>
+                <a:latin typeface="+mn-lt"/>
+                <a:ea typeface="+mn-ea"/>
+                <a:cs typeface="+mn-cs"/>
+              </a:rPr>
+              <a:t>Посмотреть все заявки на кредит ожидающие одобрения</a:t>
+            </a:r>
+          </a:p>
+          <a:p>
+            <a:r>
+              <a:rPr lang="ru-RU" sz="1200" kern="1200" dirty="0" smtClean="0">
+                <a:solidFill>
+                  <a:schemeClr val="tx1"/>
+                </a:solidFill>
+                <a:effectLst/>
+                <a:latin typeface="+mn-lt"/>
+                <a:ea typeface="+mn-ea"/>
+                <a:cs typeface="+mn-cs"/>
+              </a:rPr>
+              <a:t>Проверить историю выдачи кредитов для конкретного клиента</a:t>
+            </a:r>
+          </a:p>
+          <a:p>
+            <a:r>
+              <a:rPr lang="ru-RU" sz="1200" kern="1200" dirty="0" smtClean="0">
+                <a:solidFill>
+                  <a:schemeClr val="tx1"/>
+                </a:solidFill>
+                <a:effectLst/>
+                <a:latin typeface="+mn-lt"/>
+                <a:ea typeface="+mn-ea"/>
+                <a:cs typeface="+mn-cs"/>
+              </a:rPr>
+              <a:t>Получить список всех открытых кредитов</a:t>
+            </a:r>
+          </a:p>
+          <a:p>
+            <a:r>
+              <a:rPr lang="ru-RU" sz="1200" kern="1200" dirty="0" smtClean="0">
+                <a:solidFill>
+                  <a:schemeClr val="tx1"/>
+                </a:solidFill>
+                <a:effectLst/>
+                <a:latin typeface="+mn-lt"/>
+                <a:ea typeface="+mn-ea"/>
+                <a:cs typeface="+mn-cs"/>
+              </a:rPr>
+              <a:t>Посмотреть список отказанных заявок на кредит за определённый период</a:t>
+            </a:r>
+          </a:p>
+          <a:p>
+            <a:r>
+              <a:rPr lang="ru-RU" sz="1200" kern="1200" dirty="0" smtClean="0">
+                <a:solidFill>
+                  <a:schemeClr val="tx1"/>
+                </a:solidFill>
+                <a:effectLst/>
+                <a:latin typeface="+mn-lt"/>
+                <a:ea typeface="+mn-ea"/>
+                <a:cs typeface="+mn-cs"/>
+              </a:rPr>
+              <a:t>Получить общую сумму всех открытых кредитов</a:t>
+            </a:r>
+          </a:p>
+          <a:p>
+            <a:r>
+              <a:rPr lang="ru-RU" sz="1200" kern="1200" dirty="0" smtClean="0">
+                <a:solidFill>
+                  <a:schemeClr val="tx1"/>
+                </a:solidFill>
+                <a:effectLst/>
+                <a:latin typeface="+mn-lt"/>
+                <a:ea typeface="+mn-ea"/>
+                <a:cs typeface="+mn-cs"/>
+              </a:rPr>
+              <a:t>Проверить текущий баланс по кредитным счетам клиента</a:t>
+            </a:r>
+          </a:p>
+          <a:p>
+            <a:endParaRPr lang="ru-RU" dirty="0"/>
+          </a:p>
+        </p:txBody>
+      </p:sp>
+      <p:sp>
+        <p:nvSpPr>
+          <p:cNvPr id="4" name="Номер слайда 3"/>
+          <p:cNvSpPr>
+            <a:spLocks noGrp="1"/>
+          </p:cNvSpPr>
+          <p:nvPr>
+            <p:ph type="sldNum" sz="quarter" idx="10"/>
+          </p:nvPr>
+        </p:nvSpPr>
+        <p:spPr/>
+        <p:txBody>
+          <a:bodyPr/>
+          <a:lstStyle/>
+          <a:p>
+            <a:fld id="{62BC8434-0CB6-4A6B-AD49-7FEE4387CC7C}" type="slidenum">
+              <a:rPr lang="ru-RU" smtClean="0"/>
+              <a:t>7</a:t>
+            </a:fld>
+            <a:endParaRPr lang="ru-RU"/>
+          </a:p>
+        </p:txBody>
+      </p:sp>
+    </p:spTree>
+    <p:extLst>
+      <p:ext uri="{BB962C8B-B14F-4D97-AF65-F5344CB8AC3E}">
+        <p14:creationId xmlns:p14="http://schemas.microsoft.com/office/powerpoint/2010/main" val="1654430371"/>
+      </p:ext>
+    </p:extLst>
+  </p:cSld>
+  <p:clrMapOvr>
+    <a:masterClrMapping/>
+  </p:clrMapOvr>
+</p:notes>
+</file>
+
+<file path=ppt/notesSlides/notesSlide6.xml><?xml version="1.0" encoding="utf-8"?>
+<p:notes xmlns:a="http://schemas.openxmlformats.org/drawingml/2006/main" xmlns:r="http://schemas.openxmlformats.org/officeDocument/2006/relationships" xmlns:p="http://schemas.openxmlformats.org/presentationml/2006/main">
+  <p:cSld>
+    <p:spTree>
+      <p:nvGrpSpPr>
+        <p:cNvPr id="1" name=""/>
+        <p:cNvGrpSpPr/>
+        <p:nvPr/>
+      </p:nvGrpSpPr>
+      <p:grpSpPr>
+        <a:xfrm>
+          <a:off x="0" y="0"/>
+          <a:ext cx="0" cy="0"/>
+          <a:chOff x="0" y="0"/>
+          <a:chExt cx="0" cy="0"/>
+        </a:xfrm>
+      </p:grpSpPr>
+      <p:sp>
+        <p:nvSpPr>
+          <p:cNvPr id="2" name="Образ слайда 1"/>
+          <p:cNvSpPr>
+            <a:spLocks noGrp="1" noRot="1" noChangeAspect="1"/>
+          </p:cNvSpPr>
+          <p:nvPr>
+            <p:ph type="sldImg"/>
+          </p:nvPr>
+        </p:nvSpPr>
+        <p:spPr/>
+      </p:sp>
+      <p:sp>
+        <p:nvSpPr>
+          <p:cNvPr id="3" name="Заметки 2"/>
+          <p:cNvSpPr>
+            <a:spLocks noGrp="1"/>
+          </p:cNvSpPr>
+          <p:nvPr>
+            <p:ph type="body" idx="1"/>
+          </p:nvPr>
+        </p:nvSpPr>
+        <p:spPr/>
+        <p:txBody>
+          <a:bodyPr/>
+          <a:lstStyle/>
+          <a:p>
+            <a:endParaRPr lang="ru-RU" dirty="0"/>
+          </a:p>
+        </p:txBody>
+      </p:sp>
+      <p:sp>
+        <p:nvSpPr>
+          <p:cNvPr id="4" name="Номер слайда 3"/>
+          <p:cNvSpPr>
+            <a:spLocks noGrp="1"/>
+          </p:cNvSpPr>
+          <p:nvPr>
+            <p:ph type="sldNum" sz="quarter" idx="10"/>
+          </p:nvPr>
+        </p:nvSpPr>
+        <p:spPr/>
+        <p:txBody>
+          <a:bodyPr/>
+          <a:lstStyle/>
+          <a:p>
+            <a:fld id="{62BC8434-0CB6-4A6B-AD49-7FEE4387CC7C}" type="slidenum">
+              <a:rPr lang="ru-RU" smtClean="0"/>
+              <a:t>8</a:t>
+            </a:fld>
+            <a:endParaRPr lang="ru-RU"/>
+          </a:p>
+        </p:txBody>
+      </p:sp>
+    </p:spTree>
+    <p:extLst>
+      <p:ext uri="{BB962C8B-B14F-4D97-AF65-F5344CB8AC3E}">
+        <p14:creationId xmlns:p14="http://schemas.microsoft.com/office/powerpoint/2010/main" val="311004413"/>
+      </p:ext>
+    </p:extLst>
+  </p:cSld>
+  <p:clrMapOvr>
+    <a:masterClrMapping/>
+  </p:clrMapOvr>
+</p:notes>
+</file>
+
+<file path=ppt/notesSlides/notesSlide7.xml><?xml version="1.0" encoding="utf-8"?>
+<p:notes xmlns:a="http://schemas.openxmlformats.org/drawingml/2006/main" xmlns:r="http://schemas.openxmlformats.org/officeDocument/2006/relationships" xmlns:p="http://schemas.openxmlformats.org/presentationml/2006/main">
+  <p:cSld>
+    <p:spTree>
+      <p:nvGrpSpPr>
+        <p:cNvPr id="1" name=""/>
+        <p:cNvGrpSpPr/>
+        <p:nvPr/>
+      </p:nvGrpSpPr>
+      <p:grpSpPr>
+        <a:xfrm>
+          <a:off x="0" y="0"/>
+          <a:ext cx="0" cy="0"/>
+          <a:chOff x="0" y="0"/>
+          <a:chExt cx="0" cy="0"/>
+        </a:xfrm>
+      </p:grpSpPr>
+      <p:sp>
+        <p:nvSpPr>
+          <p:cNvPr id="2" name="Образ слайда 1"/>
+          <p:cNvSpPr>
+            <a:spLocks noGrp="1" noRot="1" noChangeAspect="1"/>
+          </p:cNvSpPr>
+          <p:nvPr>
+            <p:ph type="sldImg"/>
+          </p:nvPr>
+        </p:nvSpPr>
+        <p:spPr/>
+      </p:sp>
+      <p:sp>
+        <p:nvSpPr>
+          <p:cNvPr id="3" name="Заметки 2"/>
+          <p:cNvSpPr>
+            <a:spLocks noGrp="1"/>
+          </p:cNvSpPr>
+          <p:nvPr>
+            <p:ph type="body" idx="1"/>
+          </p:nvPr>
+        </p:nvSpPr>
+        <p:spPr/>
+        <p:txBody>
+          <a:bodyPr/>
+          <a:lstStyle/>
+          <a:p>
+            <a:endParaRPr lang="ru-RU"/>
+          </a:p>
+        </p:txBody>
+      </p:sp>
+      <p:sp>
+        <p:nvSpPr>
+          <p:cNvPr id="4" name="Номер слайда 3"/>
+          <p:cNvSpPr>
+            <a:spLocks noGrp="1"/>
+          </p:cNvSpPr>
+          <p:nvPr>
+            <p:ph type="sldNum" sz="quarter" idx="10"/>
+          </p:nvPr>
+        </p:nvSpPr>
+        <p:spPr/>
+        <p:txBody>
+          <a:bodyPr/>
+          <a:lstStyle/>
+          <a:p>
+            <a:fld id="{62BC8434-0CB6-4A6B-AD49-7FEE4387CC7C}" type="slidenum">
+              <a:rPr lang="ru-RU" smtClean="0"/>
+              <a:t>14</a:t>
+            </a:fld>
+            <a:endParaRPr lang="ru-RU"/>
+          </a:p>
+        </p:txBody>
+      </p:sp>
+    </p:spTree>
+    <p:extLst>
+      <p:ext uri="{BB962C8B-B14F-4D97-AF65-F5344CB8AC3E}">
+        <p14:creationId xmlns:p14="http://schemas.microsoft.com/office/powerpoint/2010/main" val="2117194742"/>
+      </p:ext>
+    </p:extLst>
+  </p:cSld>
+  <p:clrMapOvr>
+    <a:masterClrMapping/>
+  </p:clrMapOvr>
+</p:notes>
 </file>
 
 <file path=ppt/slideLayouts/slideLayout1.xml><?xml version="1.0" encoding="utf-8"?>
@@ -267,7 +1630,7 @@
           <a:p>
             <a:fld id="{1CAE9C26-3528-466D-8B43-86BB8703D1B0}" type="datetimeFigureOut">
               <a:rPr lang="ru-RU" smtClean="0"/>
-              <a:t>18.06.2024</a:t>
+              <a:t>19.06.2024</a:t>
             </a:fld>
             <a:endParaRPr lang="ru-RU"/>
           </a:p>
@@ -465,7 +1828,7 @@
           <a:p>
             <a:fld id="{1CAE9C26-3528-466D-8B43-86BB8703D1B0}" type="datetimeFigureOut">
               <a:rPr lang="ru-RU" smtClean="0"/>
-              <a:t>18.06.2024</a:t>
+              <a:t>19.06.2024</a:t>
             </a:fld>
             <a:endParaRPr lang="ru-RU"/>
           </a:p>
@@ -673,7 +2036,7 @@
           <a:p>
             <a:fld id="{1CAE9C26-3528-466D-8B43-86BB8703D1B0}" type="datetimeFigureOut">
               <a:rPr lang="ru-RU" smtClean="0"/>
-              <a:t>18.06.2024</a:t>
+              <a:t>19.06.2024</a:t>
             </a:fld>
             <a:endParaRPr lang="ru-RU"/>
           </a:p>
@@ -871,7 +2234,7 @@
           <a:p>
             <a:fld id="{1CAE9C26-3528-466D-8B43-86BB8703D1B0}" type="datetimeFigureOut">
               <a:rPr lang="ru-RU" smtClean="0"/>
-              <a:t>18.06.2024</a:t>
+              <a:t>19.06.2024</a:t>
             </a:fld>
             <a:endParaRPr lang="ru-RU"/>
           </a:p>
@@ -1146,7 +2509,7 @@
           <a:p>
             <a:fld id="{1CAE9C26-3528-466D-8B43-86BB8703D1B0}" type="datetimeFigureOut">
               <a:rPr lang="ru-RU" smtClean="0"/>
-              <a:t>18.06.2024</a:t>
+              <a:t>19.06.2024</a:t>
             </a:fld>
             <a:endParaRPr lang="ru-RU"/>
           </a:p>
@@ -1411,7 +2774,7 @@
           <a:p>
             <a:fld id="{1CAE9C26-3528-466D-8B43-86BB8703D1B0}" type="datetimeFigureOut">
               <a:rPr lang="ru-RU" smtClean="0"/>
-              <a:t>18.06.2024</a:t>
+              <a:t>19.06.2024</a:t>
             </a:fld>
             <a:endParaRPr lang="ru-RU"/>
           </a:p>
@@ -1823,7 +3186,7 @@
           <a:p>
             <a:fld id="{1CAE9C26-3528-466D-8B43-86BB8703D1B0}" type="datetimeFigureOut">
               <a:rPr lang="ru-RU" smtClean="0"/>
-              <a:t>18.06.2024</a:t>
+              <a:t>19.06.2024</a:t>
             </a:fld>
             <a:endParaRPr lang="ru-RU"/>
           </a:p>
@@ -1964,7 +3327,7 @@
           <a:p>
             <a:fld id="{1CAE9C26-3528-466D-8B43-86BB8703D1B0}" type="datetimeFigureOut">
               <a:rPr lang="ru-RU" smtClean="0"/>
-              <a:t>18.06.2024</a:t>
+              <a:t>19.06.2024</a:t>
             </a:fld>
             <a:endParaRPr lang="ru-RU"/>
           </a:p>
@@ -2077,7 +3440,7 @@
           <a:p>
             <a:fld id="{1CAE9C26-3528-466D-8B43-86BB8703D1B0}" type="datetimeFigureOut">
               <a:rPr lang="ru-RU" smtClean="0"/>
-              <a:t>18.06.2024</a:t>
+              <a:t>19.06.2024</a:t>
             </a:fld>
             <a:endParaRPr lang="ru-RU"/>
           </a:p>
@@ -2388,7 +3751,7 @@
           <a:p>
             <a:fld id="{1CAE9C26-3528-466D-8B43-86BB8703D1B0}" type="datetimeFigureOut">
               <a:rPr lang="ru-RU" smtClean="0"/>
-              <a:t>18.06.2024</a:t>
+              <a:t>19.06.2024</a:t>
             </a:fld>
             <a:endParaRPr lang="ru-RU"/>
           </a:p>
@@ -2676,7 +4039,7 @@
           <a:p>
             <a:fld id="{1CAE9C26-3528-466D-8B43-86BB8703D1B0}" type="datetimeFigureOut">
               <a:rPr lang="ru-RU" smtClean="0"/>
-              <a:t>18.06.2024</a:t>
+              <a:t>19.06.2024</a:t>
             </a:fld>
             <a:endParaRPr lang="ru-RU"/>
           </a:p>
@@ -2917,7 +4280,7 @@
           <a:p>
             <a:fld id="{1CAE9C26-3528-466D-8B43-86BB8703D1B0}" type="datetimeFigureOut">
               <a:rPr lang="ru-RU" smtClean="0"/>
-              <a:t>18.06.2024</a:t>
+              <a:t>19.06.2024</a:t>
             </a:fld>
             <a:endParaRPr lang="ru-RU"/>
           </a:p>
@@ -3797,8 +5160,8 @@
         </p:blipFill>
         <p:spPr>
           <a:xfrm>
-            <a:off x="737616" y="1298797"/>
-            <a:ext cx="6001512" cy="3388071"/>
+            <a:off x="737616" y="1298796"/>
+            <a:ext cx="6823188" cy="3851937"/>
           </a:xfrm>
           <a:prstGeom prst="rect">
             <a:avLst/>
@@ -3832,8 +5195,37 @@
         </p:blipFill>
         <p:spPr>
           <a:xfrm>
-            <a:off x="5690870" y="4590951"/>
-            <a:ext cx="6120130" cy="1765300"/>
+            <a:off x="5968663" y="4625675"/>
+            <a:ext cx="5733342" cy="1653734"/>
+          </a:xfrm>
+          <a:prstGeom prst="rect">
+            <a:avLst/>
+          </a:prstGeom>
+          <a:ln>
+            <a:solidFill>
+              <a:schemeClr val="tx1"/>
+            </a:solidFill>
+          </a:ln>
+        </p:spPr>
+      </p:pic>
+      <p:pic>
+        <p:nvPicPr>
+          <p:cNvPr id="6" name="Рисунок 5"/>
+          <p:cNvPicPr>
+            <a:picLocks noChangeAspect="1"/>
+          </p:cNvPicPr>
+          <p:nvPr/>
+        </p:nvPicPr>
+        <p:blipFill>
+          <a:blip r:embed="rId4"/>
+          <a:stretch>
+            <a:fillRect/>
+          </a:stretch>
+        </p:blipFill>
+        <p:spPr>
+          <a:xfrm>
+            <a:off x="7644246" y="1493467"/>
+            <a:ext cx="3974317" cy="2937538"/>
           </a:xfrm>
           <a:prstGeom prst="rect">
             <a:avLst/>
@@ -4805,15 +6197,33 @@
             <p:ph type="title"/>
           </p:nvPr>
         </p:nvSpPr>
-        <p:spPr/>
+        <p:spPr>
+          <a:xfrm>
+            <a:off x="838200" y="365125"/>
+            <a:ext cx="10515600" cy="1325563"/>
+          </a:xfrm>
+        </p:spPr>
         <p:txBody>
           <a:bodyPr/>
           <a:lstStyle/>
           <a:p>
             <a:r>
               <a:rPr lang="ru-RU" dirty="0"/>
-              <a:t>Предметная область</a:t>
-            </a:r>
+              <a:t>Предметная </a:t>
+            </a:r>
+            <a:r>
+              <a:rPr lang="ru-RU" dirty="0" smtClean="0"/>
+              <a:t>область и</a:t>
+            </a:r>
+            <a:r>
+              <a:rPr lang="ru-RU" dirty="0" smtClean="0"/>
+              <a:t>нформационной системы </a:t>
+            </a:r>
+            <a:r>
+              <a:rPr lang="ru-RU" dirty="0"/>
+              <a:t>потребительского кредитования </a:t>
+            </a:r>
+            <a:endParaRPr lang="ru-RU" dirty="0"/>
           </a:p>
         </p:txBody>
       </p:sp>
@@ -4921,36 +6331,6 @@
             <a:extLst>
               <a:ext uri="{FF2B5EF4-FFF2-40B4-BE49-F238E27FC236}">
                 <a16:creationId xmlns:a16="http://schemas.microsoft.com/office/drawing/2014/main" id="{D800206D-566F-5C27-6E04-85532ED29FD3}"/>
-              </a:ext>
-            </a:extLst>
-          </p:cNvPr>
-          <p:cNvPicPr>
-            <a:picLocks noChangeAspect="1"/>
-          </p:cNvPicPr>
-          <p:nvPr/>
-        </p:nvPicPr>
-        <p:blipFill>
-          <a:blip r:embed="rId2"/>
-          <a:stretch>
-            <a:fillRect/>
-          </a:stretch>
-        </p:blipFill>
-        <p:spPr>
-          <a:xfrm>
-            <a:off x="9715500" y="1040478"/>
-            <a:ext cx="1833372" cy="2366329"/>
-          </a:xfrm>
-          <a:prstGeom prst="rect">
-            <a:avLst/>
-          </a:prstGeom>
-        </p:spPr>
-      </p:pic>
-      <p:pic>
-        <p:nvPicPr>
-          <p:cNvPr id="5" name="Рисунок 4">
-            <a:extLst>
-              <a:ext uri="{FF2B5EF4-FFF2-40B4-BE49-F238E27FC236}">
-                <a16:creationId xmlns:a16="http://schemas.microsoft.com/office/drawing/2014/main" id="{A87656F5-856B-5B85-89D9-EC5BA2E61809}"/>
               </a:ext>
             </a:extLst>
           </p:cNvPr>
@@ -4967,8 +6347,8 @@
         </p:blipFill>
         <p:spPr>
           <a:xfrm>
-            <a:off x="7589456" y="2676017"/>
-            <a:ext cx="1833372" cy="2366814"/>
+            <a:off x="7529983" y="4199449"/>
+            <a:ext cx="1833372" cy="2366329"/>
           </a:xfrm>
           <a:prstGeom prst="rect">
             <a:avLst/>
@@ -4977,10 +6357,10 @@
       </p:pic>
       <p:pic>
         <p:nvPicPr>
-          <p:cNvPr id="6" name="Рисунок 5">
-            <a:extLst>
-              <a:ext uri="{FF2B5EF4-FFF2-40B4-BE49-F238E27FC236}">
-                <a16:creationId xmlns:a16="http://schemas.microsoft.com/office/drawing/2014/main" id="{F6F9C313-784B-D342-775A-2DD3B9074A95}"/>
+          <p:cNvPr id="5" name="Рисунок 4">
+            <a:extLst>
+              <a:ext uri="{FF2B5EF4-FFF2-40B4-BE49-F238E27FC236}">
+                <a16:creationId xmlns:a16="http://schemas.microsoft.com/office/drawing/2014/main" id="{A87656F5-856B-5B85-89D9-EC5BA2E61809}"/>
               </a:ext>
             </a:extLst>
           </p:cNvPr>
@@ -4997,7 +6377,37 @@
         </p:blipFill>
         <p:spPr>
           <a:xfrm>
-            <a:off x="9798621" y="4001294"/>
+            <a:off x="8625006" y="1744481"/>
+            <a:ext cx="1833372" cy="2366814"/>
+          </a:xfrm>
+          <a:prstGeom prst="rect">
+            <a:avLst/>
+          </a:prstGeom>
+        </p:spPr>
+      </p:pic>
+      <p:pic>
+        <p:nvPicPr>
+          <p:cNvPr id="6" name="Рисунок 5">
+            <a:extLst>
+              <a:ext uri="{FF2B5EF4-FFF2-40B4-BE49-F238E27FC236}">
+                <a16:creationId xmlns:a16="http://schemas.microsoft.com/office/drawing/2014/main" id="{F6F9C313-784B-D342-775A-2DD3B9074A95}"/>
+              </a:ext>
+            </a:extLst>
+          </p:cNvPr>
+          <p:cNvPicPr>
+            <a:picLocks noChangeAspect="1"/>
+          </p:cNvPicPr>
+          <p:nvPr/>
+        </p:nvPicPr>
+        <p:blipFill>
+          <a:blip r:embed="rId5"/>
+          <a:stretch>
+            <a:fillRect/>
+          </a:stretch>
+        </p:blipFill>
+        <p:spPr>
+          <a:xfrm>
+            <a:off x="9798621" y="4199381"/>
             <a:ext cx="1833372" cy="2366397"/>
           </a:xfrm>
           <a:prstGeom prst="rect">
@@ -5086,7 +6496,7 @@
           <p:nvPr/>
         </p:nvPicPr>
         <p:blipFill>
-          <a:blip r:embed="rId2">
+          <a:blip r:embed="rId3">
             <a:extLst>
               <a:ext uri="{28A0092B-C50C-407E-A947-70E740481C1C}">
                 <a14:useLocalDpi xmlns:a14="http://schemas.microsoft.com/office/drawing/2010/main" val="0"/>
@@ -5377,10 +6787,20 @@
           <a:bodyPr/>
           <a:lstStyle/>
           <a:p>
-            <a:r>
-              <a:rPr lang="ru-RU" dirty="0"/>
-              <a:t>Описание информационных запросов </a:t>
-            </a:r>
+            <a:pPr algn="ctr"/>
+            <a:r>
+              <a:rPr lang="ru-RU" dirty="0" smtClean="0"/>
+              <a:t>И</a:t>
+            </a:r>
+            <a:r>
+              <a:rPr lang="ru-RU" dirty="0" smtClean="0"/>
+              <a:t>нформационные </a:t>
+            </a:r>
+            <a:r>
+              <a:rPr lang="ru-RU" dirty="0" err="1" smtClean="0"/>
+              <a:t>запросоы</a:t>
+            </a:r>
+            <a:endParaRPr lang="ru-RU" dirty="0"/>
           </a:p>
         </p:txBody>
       </p:sp>
@@ -5399,7 +6819,7 @@
           <p:nvPr/>
         </p:nvPicPr>
         <p:blipFill>
-          <a:blip r:embed="rId2"/>
+          <a:blip r:embed="rId3"/>
           <a:stretch>
             <a:fillRect/>
           </a:stretch>
@@ -5487,7 +6907,7 @@
           <p:nvPr/>
         </p:nvPicPr>
         <p:blipFill rotWithShape="1">
-          <a:blip r:embed="rId2" cstate="print">
+          <a:blip r:embed="rId3" cstate="print">
             <a:extLst>
               <a:ext uri="{28A0092B-C50C-407E-A947-70E740481C1C}">
                 <a14:useLocalDpi xmlns:a14="http://schemas.microsoft.com/office/drawing/2010/main" val="0"/>
@@ -6097,4 +7517,265 @@
     </a:ext>
   </a:extLst>
 </a:theme>
+</file>
+
+<file path=ppt/theme/theme2.xml><?xml version="1.0" encoding="utf-8"?>
+<a:theme xmlns:a="http://schemas.openxmlformats.org/drawingml/2006/main" name="Тема Office">
+  <a:themeElements>
+    <a:clrScheme name="Стандартная">
+      <a:dk1>
+        <a:sysClr val="windowText" lastClr="000000"/>
+      </a:dk1>
+      <a:lt1>
+        <a:sysClr val="window" lastClr="FFFFFF"/>
+      </a:lt1>
+      <a:dk2>
+        <a:srgbClr val="44546A"/>
+      </a:dk2>
+      <a:lt2>
+        <a:srgbClr val="E7E6E6"/>
+      </a:lt2>
+      <a:accent1>
+        <a:srgbClr val="5B9BD5"/>
+      </a:accent1>
+      <a:accent2>
+        <a:srgbClr val="ED7D31"/>
+      </a:accent2>
+      <a:accent3>
+        <a:srgbClr val="A5A5A5"/>
+      </a:accent3>
+      <a:accent4>
+        <a:srgbClr val="FFC000"/>
+      </a:accent4>
+      <a:accent5>
+        <a:srgbClr val="4472C4"/>
+      </a:accent5>
+      <a:accent6>
+        <a:srgbClr val="70AD47"/>
+      </a:accent6>
+      <a:hlink>
+        <a:srgbClr val="0563C1"/>
+      </a:hlink>
+      <a:folHlink>
+        <a:srgbClr val="954F72"/>
+      </a:folHlink>
+    </a:clrScheme>
+    <a:fontScheme name="Стандартная">
+      <a:majorFont>
+        <a:latin typeface="Calibri Light" panose="020F0302020204030204"/>
+        <a:ea typeface=""/>
+        <a:cs typeface=""/>
+        <a:font script="Jpan" typeface="游ゴシック Light"/>
+        <a:font script="Hang" typeface="맑은 고딕"/>
+        <a:font script="Hans" typeface="等线 Light"/>
+        <a:font script="Hant" typeface="新細明體"/>
+        <a:font script="Arab" typeface="Times New Roman"/>
+        <a:font script="Hebr" typeface="Times New Roman"/>
+        <a:font script="Thai" typeface="Angsana New"/>
+        <a:font script="Ethi" typeface="Nyala"/>
+        <a:font script="Beng" typeface="Vrinda"/>
+        <a:font script="Gujr" typeface="Shruti"/>
+        <a:font script="Khmr" typeface="MoolBoran"/>
+        <a:font script="Knda" typeface="Tunga"/>
+        <a:font script="Guru" typeface="Raavi"/>
+        <a:font script="Cans" typeface="Euphemia"/>
+        <a:font script="Cher" typeface="Plantagenet Cherokee"/>
+        <a:font script="Yiii" typeface="Microsoft Yi Baiti"/>
+        <a:font script="Tibt" typeface="Microsoft Himalaya"/>
+        <a:font script="Thaa" typeface="MV Boli"/>
+        <a:font script="Deva" typeface="Mangal"/>
+        <a:font script="Telu" typeface="Gautami"/>
+        <a:font script="Taml" typeface="Latha"/>
+        <a:font script="Syrc" typeface="Estrangelo Edessa"/>
+        <a:font script="Orya" typeface="Kalinga"/>
+        <a:font script="Mlym" typeface="Kartika"/>
+        <a:font script="Laoo" typeface="DokChampa"/>
+        <a:font script="Sinh" typeface="Iskoola Pota"/>
+        <a:font script="Mong" typeface="Mongolian Baiti"/>
+        <a:font script="Viet" typeface="Times New Roman"/>
+        <a:font script="Uigh" typeface="Microsoft Uighur"/>
+        <a:font script="Geor" typeface="Sylfaen"/>
+      </a:majorFont>
+      <a:minorFont>
+        <a:latin typeface="Calibri" panose="020F0502020204030204"/>
+        <a:ea typeface=""/>
+        <a:cs typeface=""/>
+        <a:font script="Jpan" typeface="游ゴシック"/>
+        <a:font script="Hang" typeface="맑은 고딕"/>
+        <a:font script="Hans" typeface="等线"/>
+        <a:font script="Hant" typeface="新細明體"/>
+        <a:font script="Arab" typeface="Arial"/>
+        <a:font script="Hebr" typeface="Arial"/>
+        <a:font script="Thai" typeface="Cordia New"/>
+        <a:font script="Ethi" typeface="Nyala"/>
+        <a:font script="Beng" typeface="Vrinda"/>
+        <a:font script="Gujr" typeface="Shruti"/>
+        <a:font script="Khmr" typeface="DaunPenh"/>
+        <a:font script="Knda" typeface="Tunga"/>
+        <a:font script="Guru" typeface="Raavi"/>
+        <a:font script="Cans" typeface="Euphemia"/>
+        <a:font script="Cher" typeface="Plantagenet Cherokee"/>
+        <a:font script="Yiii" typeface="Microsoft Yi Baiti"/>
+        <a:font script="Tibt" typeface="Microsoft Himalaya"/>
+        <a:font script="Thaa" typeface="MV Boli"/>
+        <a:font script="Deva" typeface="Mangal"/>
+        <a:font script="Telu" typeface="Gautami"/>
+        <a:font script="Taml" typeface="Latha"/>
+        <a:font script="Syrc" typeface="Estrangelo Edessa"/>
+        <a:font script="Orya" typeface="Kalinga"/>
+        <a:font script="Mlym" typeface="Kartika"/>
+        <a:font script="Laoo" typeface="DokChampa"/>
+        <a:font script="Sinh" typeface="Iskoola Pota"/>
+        <a:font script="Mong" typeface="Mongolian Baiti"/>
+        <a:font script="Viet" typeface="Arial"/>
+        <a:font script="Uigh" typeface="Microsoft Uighur"/>
+        <a:font script="Geor" typeface="Sylfaen"/>
+      </a:minorFont>
+    </a:fontScheme>
+    <a:fmtScheme name="Стандартная">
+      <a:fillStyleLst>
+        <a:solidFill>
+          <a:schemeClr val="phClr"/>
+        </a:solidFill>
+        <a:gradFill rotWithShape="1">
+          <a:gsLst>
+            <a:gs pos="0">
+              <a:schemeClr val="phClr">
+                <a:lumMod val="110000"/>
+                <a:satMod val="105000"/>
+                <a:tint val="67000"/>
+              </a:schemeClr>
+            </a:gs>
+            <a:gs pos="50000">
+              <a:schemeClr val="phClr">
+                <a:lumMod val="105000"/>
+                <a:satMod val="103000"/>
+                <a:tint val="73000"/>
+              </a:schemeClr>
+            </a:gs>
+            <a:gs pos="100000">
+              <a:schemeClr val="phClr">
+                <a:lumMod val="105000"/>
+                <a:satMod val="109000"/>
+                <a:tint val="81000"/>
+              </a:schemeClr>
+            </a:gs>
+          </a:gsLst>
+          <a:lin ang="5400000" scaled="0"/>
+        </a:gradFill>
+        <a:gradFill rotWithShape="1">
+          <a:gsLst>
+            <a:gs pos="0">
+              <a:schemeClr val="phClr">
+                <a:satMod val="103000"/>
+                <a:lumMod val="102000"/>
+                <a:tint val="94000"/>
+              </a:schemeClr>
+            </a:gs>
+            <a:gs pos="50000">
+              <a:schemeClr val="phClr">
+                <a:satMod val="110000"/>
+                <a:lumMod val="100000"/>
+                <a:shade val="100000"/>
+              </a:schemeClr>
+            </a:gs>
+            <a:gs pos="100000">
+              <a:schemeClr val="phClr">
+                <a:lumMod val="99000"/>
+                <a:satMod val="120000"/>
+                <a:shade val="78000"/>
+              </a:schemeClr>
+            </a:gs>
+          </a:gsLst>
+          <a:lin ang="5400000" scaled="0"/>
+        </a:gradFill>
+      </a:fillStyleLst>
+      <a:lnStyleLst>
+        <a:ln w="6350" cap="flat" cmpd="sng" algn="ctr">
+          <a:solidFill>
+            <a:schemeClr val="phClr"/>
+          </a:solidFill>
+          <a:prstDash val="solid"/>
+          <a:miter lim="800000"/>
+        </a:ln>
+        <a:ln w="12700" cap="flat" cmpd="sng" algn="ctr">
+          <a:solidFill>
+            <a:schemeClr val="phClr"/>
+          </a:solidFill>
+          <a:prstDash val="solid"/>
+          <a:miter lim="800000"/>
+        </a:ln>
+        <a:ln w="19050" cap="flat" cmpd="sng" algn="ctr">
+          <a:solidFill>
+            <a:schemeClr val="phClr"/>
+          </a:solidFill>
+          <a:prstDash val="solid"/>
+          <a:miter lim="800000"/>
+        </a:ln>
+      </a:lnStyleLst>
+      <a:effectStyleLst>
+        <a:effectStyle>
+          <a:effectLst/>
+        </a:effectStyle>
+        <a:effectStyle>
+          <a:effectLst/>
+        </a:effectStyle>
+        <a:effectStyle>
+          <a:effectLst>
+            <a:outerShdw blurRad="57150" dist="19050" dir="5400000" algn="ctr" rotWithShape="0">
+              <a:srgbClr val="000000">
+                <a:alpha val="63000"/>
+              </a:srgbClr>
+            </a:outerShdw>
+          </a:effectLst>
+        </a:effectStyle>
+      </a:effectStyleLst>
+      <a:bgFillStyleLst>
+        <a:solidFill>
+          <a:schemeClr val="phClr"/>
+        </a:solidFill>
+        <a:solidFill>
+          <a:schemeClr val="phClr">
+            <a:tint val="95000"/>
+            <a:satMod val="170000"/>
+          </a:schemeClr>
+        </a:solidFill>
+        <a:gradFill rotWithShape="1">
+          <a:gsLst>
+            <a:gs pos="0">
+              <a:schemeClr val="phClr">
+                <a:tint val="93000"/>
+                <a:satMod val="150000"/>
+                <a:shade val="98000"/>
+                <a:lumMod val="102000"/>
+              </a:schemeClr>
+            </a:gs>
+            <a:gs pos="50000">
+              <a:schemeClr val="phClr">
+                <a:tint val="98000"/>
+                <a:satMod val="130000"/>
+                <a:shade val="90000"/>
+                <a:lumMod val="103000"/>
+              </a:schemeClr>
+            </a:gs>
+            <a:gs pos="100000">
+              <a:schemeClr val="phClr">
+                <a:shade val="63000"/>
+                <a:satMod val="120000"/>
+              </a:schemeClr>
+            </a:gs>
+          </a:gsLst>
+          <a:lin ang="5400000" scaled="0"/>
+        </a:gradFill>
+      </a:bgFillStyleLst>
+    </a:fmtScheme>
+  </a:themeElements>
+  <a:objectDefaults/>
+  <a:extraClrSchemeLst/>
+  <a:extLst>
+    <a:ext uri="{05A4C25C-085E-4340-85A3-A5531E510DB2}">
+      <thm15:themeFamily xmlns:thm15="http://schemas.microsoft.com/office/thememl/2012/main" name="Office Theme" id="{62F939B6-93AF-4DB8-9C6B-D6C7DFDC589F}" vid="{4A3C46E8-61CC-4603-A589-7422A47A8E4A}"/>
+    </a:ext>
+  </a:extLst>
+</a:theme>
 </file>
--- a/бсбд/КП/КР ЧигаревА.Ю. БИб-21Э1 БСБД.pptx
+++ b/бсбд/КП/КР ЧигаревА.Ю. БИб-21Э1 БСБД.pptx
@@ -1400,6 +1400,98 @@
 </file>
 
 <file path=ppt/notesSlides/notesSlide7.xml><?xml version="1.0" encoding="utf-8"?>
+<p:notes xmlns:a="http://schemas.openxmlformats.org/drawingml/2006/main" xmlns:r="http://schemas.openxmlformats.org/officeDocument/2006/relationships" xmlns:p="http://schemas.openxmlformats.org/presentationml/2006/main">
+  <p:cSld>
+    <p:spTree>
+      <p:nvGrpSpPr>
+        <p:cNvPr id="1" name=""/>
+        <p:cNvGrpSpPr/>
+        <p:nvPr/>
+      </p:nvGrpSpPr>
+      <p:grpSpPr>
+        <a:xfrm>
+          <a:off x="0" y="0"/>
+          <a:ext cx="0" cy="0"/>
+          <a:chOff x="0" y="0"/>
+          <a:chExt cx="0" cy="0"/>
+        </a:xfrm>
+      </p:grpSpPr>
+      <p:sp>
+        <p:nvSpPr>
+          <p:cNvPr id="2" name="Образ слайда 1"/>
+          <p:cNvSpPr>
+            <a:spLocks noGrp="1" noRot="1" noChangeAspect="1"/>
+          </p:cNvSpPr>
+          <p:nvPr>
+            <p:ph type="sldImg"/>
+          </p:nvPr>
+        </p:nvSpPr>
+        <p:spPr/>
+      </p:sp>
+      <p:sp>
+        <p:nvSpPr>
+          <p:cNvPr id="3" name="Заметки 2"/>
+          <p:cNvSpPr>
+            <a:spLocks noGrp="1"/>
+          </p:cNvSpPr>
+          <p:nvPr>
+            <p:ph type="body" idx="1"/>
+          </p:nvPr>
+        </p:nvSpPr>
+        <p:spPr/>
+        <p:txBody>
+          <a:bodyPr/>
+          <a:lstStyle/>
+          <a:p>
+            <a:r>
+              <a:rPr lang="ru-RU" dirty="0" smtClean="0"/>
+              <a:t>Защита</a:t>
+            </a:r>
+            <a:r>
+              <a:rPr lang="ru-RU" baseline="0" dirty="0" smtClean="0"/>
+              <a:t> БД была реализована через:</a:t>
+            </a:r>
+            <a:endParaRPr lang="ru-RU" dirty="0"/>
+          </a:p>
+        </p:txBody>
+      </p:sp>
+      <p:sp>
+        <p:nvSpPr>
+          <p:cNvPr id="4" name="Номер слайда 3"/>
+          <p:cNvSpPr>
+            <a:spLocks noGrp="1"/>
+          </p:cNvSpPr>
+          <p:nvPr>
+            <p:ph type="sldNum" sz="quarter" idx="10"/>
+          </p:nvPr>
+        </p:nvSpPr>
+        <p:spPr/>
+        <p:txBody>
+          <a:bodyPr/>
+          <a:lstStyle/>
+          <a:p>
+            <a:fld id="{62BC8434-0CB6-4A6B-AD49-7FEE4387CC7C}" type="slidenum">
+              <a:rPr lang="ru-RU" smtClean="0"/>
+              <a:t>9</a:t>
+            </a:fld>
+            <a:endParaRPr lang="ru-RU"/>
+          </a:p>
+        </p:txBody>
+      </p:sp>
+    </p:spTree>
+    <p:extLst>
+      <p:ext uri="{BB962C8B-B14F-4D97-AF65-F5344CB8AC3E}">
+        <p14:creationId xmlns:p14="http://schemas.microsoft.com/office/powerpoint/2010/main" val="2606331585"/>
+      </p:ext>
+    </p:extLst>
+  </p:cSld>
+  <p:clrMapOvr>
+    <a:masterClrMapping/>
+  </p:clrMapOvr>
+</p:notes>
+</file>
+
+<file path=ppt/notesSlides/notesSlide8.xml><?xml version="1.0" encoding="utf-8"?>
 <p:notes xmlns:a="http://schemas.openxmlformats.org/drawingml/2006/main" xmlns:r="http://schemas.openxmlformats.org/officeDocument/2006/relationships" xmlns:p="http://schemas.openxmlformats.org/presentationml/2006/main">
   <p:cSld>
     <p:spTree>
@@ -6213,17 +6305,12 @@
             </a:r>
             <a:r>
               <a:rPr lang="ru-RU" dirty="0" smtClean="0"/>
-              <a:t>область и</a:t>
-            </a:r>
-            <a:r>
-              <a:rPr lang="ru-RU" dirty="0" smtClean="0"/>
-              <a:t>нформационной системы </a:t>
+              <a:t>область информационной системы </a:t>
             </a:r>
             <a:r>
               <a:rPr lang="ru-RU" dirty="0"/>
               <a:t>потребительского кредитования </a:t>
             </a:r>
-            <a:endParaRPr lang="ru-RU" dirty="0"/>
           </a:p>
         </p:txBody>
       </p:sp>
@@ -6790,11 +6877,7 @@
             <a:pPr algn="ctr"/>
             <a:r>
               <a:rPr lang="ru-RU" dirty="0" smtClean="0"/>
-              <a:t>И</a:t>
-            </a:r>
-            <a:r>
-              <a:rPr lang="ru-RU" dirty="0" smtClean="0"/>
-              <a:t>нформационные </a:t>
+              <a:t>Информационные </a:t>
             </a:r>
             <a:r>
               <a:rPr lang="ru-RU" dirty="0" err="1" smtClean="0"/>
@@ -7016,7 +7099,7 @@
           <p:nvPr/>
         </p:nvPicPr>
         <p:blipFill>
-          <a:blip r:embed="rId2"/>
+          <a:blip r:embed="rId3"/>
           <a:stretch>
             <a:fillRect/>
           </a:stretch>
@@ -7051,7 +7134,7 @@
           <p:nvPr/>
         </p:nvPicPr>
         <p:blipFill>
-          <a:blip r:embed="rId3"/>
+          <a:blip r:embed="rId4"/>
           <a:stretch>
             <a:fillRect/>
           </a:stretch>
@@ -7086,7 +7169,7 @@
           <p:nvPr/>
         </p:nvPicPr>
         <p:blipFill>
-          <a:blip r:embed="rId4"/>
+          <a:blip r:embed="rId5"/>
           <a:stretch>
             <a:fillRect/>
           </a:stretch>
@@ -7121,7 +7204,7 @@
           <p:nvPr/>
         </p:nvPicPr>
         <p:blipFill>
-          <a:blip r:embed="rId5"/>
+          <a:blip r:embed="rId6"/>
           <a:stretch>
             <a:fillRect/>
           </a:stretch>
@@ -7156,7 +7239,7 @@
           <p:nvPr/>
         </p:nvPicPr>
         <p:blipFill>
-          <a:blip r:embed="rId6"/>
+          <a:blip r:embed="rId7"/>
           <a:stretch>
             <a:fillRect/>
           </a:stretch>
@@ -7191,7 +7274,7 @@
           <p:nvPr/>
         </p:nvPicPr>
         <p:blipFill>
-          <a:blip r:embed="rId7"/>
+          <a:blip r:embed="rId8"/>
           <a:stretch>
             <a:fillRect/>
           </a:stretch>

--- a/бсбд/КП/КР ЧигаревА.Ю. БИб-21Э1 БСБД.pptx
+++ b/бсбд/КП/КР ЧигаревА.Ю. БИб-21Э1 БСБД.pptx
@@ -5175,6 +5175,13 @@
   <p:clrMapOvr>
     <a:masterClrMapping/>
   </p:clrMapOvr>
+  <p:timing>
+    <p:tnLst>
+      <p:par>
+        <p:cTn id="1" dur="indefinite" restart="never" nodeType="tmRoot"/>
+      </p:par>
+    </p:tnLst>
+  </p:timing>
 </p:sld>
 </file>
 
@@ -5339,6 +5346,13 @@
   <p:clrMapOvr>
     <a:masterClrMapping/>
   </p:clrMapOvr>
+  <p:timing>
+    <p:tnLst>
+      <p:par>
+        <p:cTn id="1" dur="indefinite" restart="never" nodeType="tmRoot"/>
+      </p:par>
+    </p:tnLst>
+  </p:timing>
 </p:sld>
 </file>
 
@@ -5494,6 +5508,13 @@
   <p:clrMapOvr>
     <a:masterClrMapping/>
   </p:clrMapOvr>
+  <p:timing>
+    <p:tnLst>
+      <p:par>
+        <p:cTn id="1" dur="indefinite" restart="never" nodeType="tmRoot"/>
+      </p:par>
+    </p:tnLst>
+  </p:timing>
 </p:sld>
 </file>
 
@@ -5709,6 +5730,13 @@
   <p:clrMapOvr>
     <a:masterClrMapping/>
   </p:clrMapOvr>
+  <p:timing>
+    <p:tnLst>
+      <p:par>
+        <p:cTn id="1" dur="indefinite" restart="never" nodeType="tmRoot"/>
+      </p:par>
+    </p:tnLst>
+  </p:timing>
 </p:sld>
 </file>
 
@@ -5894,6 +5922,13 @@
   <p:clrMapOvr>
     <a:masterClrMapping/>
   </p:clrMapOvr>
+  <p:timing>
+    <p:tnLst>
+      <p:par>
+        <p:cTn id="1" dur="indefinite" restart="never" nodeType="tmRoot"/>
+      </p:par>
+    </p:tnLst>
+  </p:timing>
 </p:sld>
 </file>
 
@@ -5965,13 +6000,13 @@
         </p:nvSpPr>
         <p:spPr>
           <a:xfrm>
-            <a:off x="356616" y="1060704"/>
-            <a:ext cx="11548872" cy="5285232"/>
+            <a:off x="410307" y="1060704"/>
+            <a:ext cx="11336215" cy="5211142"/>
           </a:xfrm>
         </p:spPr>
         <p:txBody>
           <a:bodyPr>
-            <a:normAutofit fontScale="92500" lnSpcReduction="10000"/>
+            <a:noAutofit/>
           </a:bodyPr>
           <a:lstStyle/>
           <a:p>
@@ -5984,7 +6019,7 @@
               </a:spcAft>
             </a:pPr>
             <a:r>
-              <a:rPr lang="ru-RU" sz="1800" dirty="0">
+              <a:rPr lang="ru-RU" sz="2000" dirty="0">
                 <a:effectLst/>
                 <a:latin typeface="Times New Roman" panose="02020603050405020304" pitchFamily="18" charset="0"/>
                 <a:ea typeface="Calibri" panose="020F0502020204030204" pitchFamily="34" charset="0"/>
@@ -5992,7 +6027,7 @@
               </a:rPr>
               <a:t>Благодаря проведённому анализу предметной области «Потребительское кредитования», были выявлены основные бизнес-процессы, определены группы пользователей, а также информационные запросы, выполняемые в информационной системе.</a:t>
             </a:r>
-            <a:endParaRPr lang="ru-RU" sz="1800" dirty="0">
+            <a:endParaRPr lang="ru-RU" sz="2000" dirty="0">
               <a:effectLst/>
               <a:latin typeface="Calibri" panose="020F0502020204030204" pitchFamily="34" charset="0"/>
               <a:ea typeface="Calibri" panose="020F0502020204030204" pitchFamily="34" charset="0"/>
@@ -6009,16 +6044,43 @@
               </a:spcAft>
             </a:pPr>
             <a:r>
-              <a:rPr lang="ru-RU" sz="1800" dirty="0">
+              <a:rPr lang="ru-RU" sz="2000" dirty="0">
                 <a:effectLst/>
                 <a:latin typeface="Times New Roman" panose="02020603050405020304" pitchFamily="18" charset="0"/>
                 <a:ea typeface="Calibri" panose="020F0502020204030204" pitchFamily="34" charset="0"/>
                 <a:cs typeface="Times New Roman" panose="02020603050405020304" pitchFamily="18" charset="0"/>
               </a:rPr>
-              <a:t>Были исследованы возможности обеспечения безопасности СУБД, также реализована схема БД и описана её структура. Была реализована система, включающая в себя триггеры, функции, политики доступа, шифрование некоторых данных и разграничение доступа. Все это в совокупность с использованием все возможных методов обеспечения безопасности и создания пользовательского интерфейса на </a:t>
-            </a:r>
-            <a:r>
-              <a:rPr lang="en-US" sz="1800" dirty="0">
+              <a:t>Были исследованы возможности обеспечения безопасности СУБД</a:t>
+            </a:r>
+            <a:r>
+              <a:rPr lang="ru-RU" sz="2000" dirty="0" smtClean="0">
+                <a:effectLst/>
+                <a:latin typeface="Times New Roman" panose="02020603050405020304" pitchFamily="18" charset="0"/>
+                <a:ea typeface="Calibri" panose="020F0502020204030204" pitchFamily="34" charset="0"/>
+                <a:cs typeface="Times New Roman" panose="02020603050405020304" pitchFamily="18" charset="0"/>
+              </a:rPr>
+              <a:t>, реализована </a:t>
+            </a:r>
+            <a:r>
+              <a:rPr lang="ru-RU" sz="2000" dirty="0">
+                <a:effectLst/>
+                <a:latin typeface="Times New Roman" panose="02020603050405020304" pitchFamily="18" charset="0"/>
+                <a:ea typeface="Calibri" panose="020F0502020204030204" pitchFamily="34" charset="0"/>
+                <a:cs typeface="Times New Roman" panose="02020603050405020304" pitchFamily="18" charset="0"/>
+              </a:rPr>
+              <a:t>схема БД и описана её структура. </a:t>
+            </a:r>
+            <a:r>
+              <a:rPr lang="ru-RU" sz="2000" dirty="0" smtClean="0">
+                <a:effectLst/>
+                <a:latin typeface="Times New Roman" panose="02020603050405020304" pitchFamily="18" charset="0"/>
+                <a:ea typeface="Calibri" panose="020F0502020204030204" pitchFamily="34" charset="0"/>
+                <a:cs typeface="Times New Roman" panose="02020603050405020304" pitchFamily="18" charset="0"/>
+              </a:rPr>
+              <a:t>Была реализована система, включающая в себя триггеры, функции, политики доступа, шифрование некоторых данных и разграничение доступа. Все это в совокупность с использованием все возможных методов обеспечения безопасности и создания пользовательского интерфейса на </a:t>
+            </a:r>
+            <a:r>
+              <a:rPr lang="en-US" sz="2000" dirty="0" smtClean="0">
                 <a:effectLst/>
                 <a:latin typeface="Times New Roman" panose="02020603050405020304" pitchFamily="18" charset="0"/>
                 <a:ea typeface="Calibri" panose="020F0502020204030204" pitchFamily="34" charset="0"/>
@@ -6027,7 +6089,7 @@
               <a:t>Python</a:t>
             </a:r>
             <a:r>
-              <a:rPr lang="ru-RU" sz="1800" dirty="0">
+              <a:rPr lang="ru-RU" sz="2000" dirty="0" smtClean="0">
                 <a:effectLst/>
                 <a:latin typeface="Times New Roman" panose="02020603050405020304" pitchFamily="18" charset="0"/>
                 <a:ea typeface="Calibri" panose="020F0502020204030204" pitchFamily="34" charset="0"/>
@@ -6035,12 +6097,6 @@
               </a:rPr>
               <a:t>, была реализована информационная система «Потребительское кредитование».</a:t>
             </a:r>
-            <a:endParaRPr lang="ru-RU" sz="1800" dirty="0">
-              <a:effectLst/>
-              <a:latin typeface="Calibri" panose="020F0502020204030204" pitchFamily="34" charset="0"/>
-              <a:ea typeface="Calibri" panose="020F0502020204030204" pitchFamily="34" charset="0"/>
-              <a:cs typeface="Times New Roman" panose="02020603050405020304" pitchFamily="18" charset="0"/>
-            </a:endParaRPr>
           </a:p>
           <a:p>
             <a:pPr indent="450215" algn="just">
@@ -6052,40 +6108,33 @@
               </a:spcAft>
             </a:pPr>
             <a:r>
-              <a:rPr lang="ru-RU" sz="1800" dirty="0">
+              <a:rPr lang="ru-RU" sz="2000" dirty="0" smtClean="0">
+                <a:effectLst/>
+                <a:latin typeface="Calibri" panose="020F0502020204030204" pitchFamily="34" charset="0"/>
+                <a:ea typeface="Calibri" panose="020F0502020204030204" pitchFamily="34" charset="0"/>
+                <a:cs typeface="Times New Roman" panose="02020603050405020304" pitchFamily="18" charset="0"/>
+              </a:rPr>
+              <a:t> </a:t>
+            </a:r>
+            <a:r>
+              <a:rPr lang="ru-RU" sz="2000" dirty="0" smtClean="0">
                 <a:effectLst/>
                 <a:latin typeface="Times New Roman" panose="02020603050405020304" pitchFamily="18" charset="0"/>
                 <a:ea typeface="Calibri" panose="020F0502020204030204" pitchFamily="34" charset="0"/>
                 <a:cs typeface="Times New Roman" panose="02020603050405020304" pitchFamily="18" charset="0"/>
               </a:rPr>
-              <a:t>Составленная документация позволяет удостоверится что выбранные группы пользователей смогут пользоваться ПО. Так же интерфейс позволяет минимизировать риски нарушения целостности или доступности, однако не исключить их, т.к. в случае с администратором происходит полный контроль над БД.</a:t>
-            </a:r>
-            <a:endParaRPr lang="ru-RU" sz="1800" dirty="0">
-              <a:effectLst/>
-              <a:latin typeface="Calibri" panose="020F0502020204030204" pitchFamily="34" charset="0"/>
-              <a:ea typeface="Calibri" panose="020F0502020204030204" pitchFamily="34" charset="0"/>
-              <a:cs typeface="Times New Roman" panose="02020603050405020304" pitchFamily="18" charset="0"/>
-            </a:endParaRPr>
-          </a:p>
-          <a:p>
-            <a:pPr indent="450215" algn="just">
-              <a:lnSpc>
-                <a:spcPct val="150000"/>
-              </a:lnSpc>
-              <a:spcAft>
-                <a:spcPts val="800"/>
-              </a:spcAft>
-            </a:pPr>
-            <a:r>
-              <a:rPr lang="ru-RU" sz="1800" dirty="0">
+              <a:t>Таким </a:t>
+            </a:r>
+            <a:r>
+              <a:rPr lang="ru-RU" sz="2000" dirty="0">
                 <a:effectLst/>
                 <a:latin typeface="Times New Roman" panose="02020603050405020304" pitchFamily="18" charset="0"/>
                 <a:ea typeface="Calibri" panose="020F0502020204030204" pitchFamily="34" charset="0"/>
                 <a:cs typeface="Times New Roman" panose="02020603050405020304" pitchFamily="18" charset="0"/>
               </a:rPr>
-              <a:t>Таким образом все поставленные задачи выполнены, цель достигнута.</a:t>
-            </a:r>
-            <a:endParaRPr lang="ru-RU" sz="1800" dirty="0">
+              <a:t>образом все поставленные задачи выполнены, цель достигнута.</a:t>
+            </a:r>
+            <a:endParaRPr lang="ru-RU" sz="2000" dirty="0">
               <a:effectLst/>
               <a:latin typeface="Calibri" panose="020F0502020204030204" pitchFamily="34" charset="0"/>
               <a:ea typeface="Calibri" panose="020F0502020204030204" pitchFamily="34" charset="0"/>
@@ -6104,6 +6153,13 @@
   <p:clrMapOvr>
     <a:masterClrMapping/>
   </p:clrMapOvr>
+  <p:timing>
+    <p:tnLst>
+      <p:par>
+        <p:cTn id="1" dur="indefinite" restart="never" nodeType="tmRoot"/>
+      </p:par>
+    </p:tnLst>
+  </p:timing>
 </p:sld>
 </file>
 
@@ -6253,6 +6309,13 @@
   <p:clrMapOvr>
     <a:masterClrMapping/>
   </p:clrMapOvr>
+  <p:timing>
+    <p:tnLst>
+      <p:par>
+        <p:cTn id="1" dur="indefinite" restart="never" nodeType="tmRoot"/>
+      </p:par>
+    </p:tnLst>
+  </p:timing>
 </p:sld>
 </file>
 
@@ -6512,6 +6575,13 @@
   <p:clrMapOvr>
     <a:masterClrMapping/>
   </p:clrMapOvr>
+  <p:timing>
+    <p:tnLst>
+      <p:par>
+        <p:cTn id="1" dur="indefinite" restart="never" nodeType="tmRoot"/>
+      </p:par>
+    </p:tnLst>
+  </p:timing>
 </p:sld>
 </file>
 
@@ -6619,6 +6689,13 @@
   <p:clrMapOvr>
     <a:masterClrMapping/>
   </p:clrMapOvr>
+  <p:timing>
+    <p:tnLst>
+      <p:par>
+        <p:cTn id="1" dur="indefinite" restart="never" nodeType="tmRoot"/>
+      </p:par>
+    </p:tnLst>
+  </p:timing>
 </p:sld>
 </file>
 
@@ -6726,6 +6803,13 @@
   <p:clrMapOvr>
     <a:masterClrMapping/>
   </p:clrMapOvr>
+  <p:timing>
+    <p:tnLst>
+      <p:par>
+        <p:cTn id="1" dur="indefinite" restart="never" nodeType="tmRoot"/>
+      </p:par>
+    </p:tnLst>
+  </p:timing>
 </p:sld>
 </file>
 
@@ -6777,52 +6861,16 @@
             </a:r>
             <a:r>
               <a:rPr lang="ru-RU" dirty="0"/>
-              <a:t> «Процесс рассмотрения заявки на кредит»</a:t>
-            </a:r>
-          </a:p>
-        </p:txBody>
-      </p:sp>
-      <p:pic>
-        <p:nvPicPr>
-          <p:cNvPr id="4" name="Рисунок 3">
-            <a:extLst>
-              <a:ext uri="{FF2B5EF4-FFF2-40B4-BE49-F238E27FC236}">
-                <a16:creationId xmlns:a16="http://schemas.microsoft.com/office/drawing/2014/main" id="{8A9A355D-A780-C206-3FE6-CFDDBEB7615A}"/>
-              </a:ext>
-            </a:extLst>
-          </p:cNvPr>
-          <p:cNvPicPr>
-            <a:picLocks noChangeAspect="1"/>
-          </p:cNvPicPr>
-          <p:nvPr/>
-        </p:nvPicPr>
-        <p:blipFill>
-          <a:blip r:embed="rId2" cstate="print">
-            <a:extLst>
-              <a:ext uri="{28A0092B-C50C-407E-A947-70E740481C1C}">
-                <a14:useLocalDpi xmlns:a14="http://schemas.microsoft.com/office/drawing/2010/main" val="0"/>
-              </a:ext>
-            </a:extLst>
-          </a:blip>
-          <a:srcRect/>
-          <a:stretch>
-            <a:fillRect/>
-          </a:stretch>
-        </p:blipFill>
-        <p:spPr bwMode="auto">
-          <a:xfrm>
-            <a:off x="341418" y="2523745"/>
-            <a:ext cx="11509163" cy="2724911"/>
-          </a:xfrm>
-          <a:prstGeom prst="rect">
-            <a:avLst/>
-          </a:prstGeom>
-          <a:noFill/>
-          <a:ln>
-            <a:noFill/>
-          </a:ln>
-        </p:spPr>
-      </p:pic>
+              <a:t> «</a:t>
+            </a:r>
+            <a:r>
+              <a:rPr lang="ru-RU" dirty="0" smtClean="0"/>
+              <a:t>Процесс удаление клиента из системы»</a:t>
+            </a:r>
+            <a:endParaRPr lang="ru-RU" dirty="0"/>
+          </a:p>
+        </p:txBody>
+      </p:sp>
     </p:spTree>
     <p:extLst>
       <p:ext uri="{BB962C8B-B14F-4D97-AF65-F5344CB8AC3E}">
@@ -6833,6 +6881,13 @@
   <p:clrMapOvr>
     <a:masterClrMapping/>
   </p:clrMapOvr>
+  <p:timing>
+    <p:tnLst>
+      <p:par>
+        <p:cTn id="1" dur="indefinite" restart="never" nodeType="tmRoot"/>
+      </p:par>
+    </p:tnLst>
+  </p:timing>
 </p:sld>
 </file>
 
@@ -6927,6 +6982,13 @@
   <p:clrMapOvr>
     <a:masterClrMapping/>
   </p:clrMapOvr>
+  <p:timing>
+    <p:tnLst>
+      <p:par>
+        <p:cTn id="1" dur="indefinite" restart="never" nodeType="tmRoot"/>
+      </p:par>
+    </p:tnLst>
+  </p:timing>
 </p:sld>
 </file>
 
@@ -7029,6 +7091,13 @@
   <p:clrMapOvr>
     <a:masterClrMapping/>
   </p:clrMapOvr>
+  <p:timing>
+    <p:tnLst>
+      <p:par>
+        <p:cTn id="1" dur="indefinite" restart="never" nodeType="tmRoot"/>
+      </p:par>
+    </p:tnLst>
+  </p:timing>
 </p:sld>
 </file>
 
@@ -7304,6 +7373,13 @@
   <p:clrMapOvr>
     <a:masterClrMapping/>
   </p:clrMapOvr>
+  <p:timing>
+    <p:tnLst>
+      <p:par>
+        <p:cTn id="1" dur="indefinite" restart="never" nodeType="tmRoot"/>
+      </p:par>
+    </p:tnLst>
+  </p:timing>
 </p:sld>
 </file>
 
